--- a/PPT/3. Next js foundation.pptx
+++ b/PPT/3. Next js foundation.pptx
@@ -21,20 +21,17 @@
     <p:sldId id="279" r:id="rId15"/>
     <p:sldId id="280" r:id="rId16"/>
     <p:sldId id="281" r:id="rId17"/>
-    <p:sldId id="282" r:id="rId18"/>
-    <p:sldId id="285" r:id="rId19"/>
-    <p:sldId id="284" r:id="rId20"/>
-    <p:sldId id="287" r:id="rId21"/>
-    <p:sldId id="289" r:id="rId22"/>
-    <p:sldId id="288" r:id="rId23"/>
-    <p:sldId id="295" r:id="rId24"/>
-    <p:sldId id="294" r:id="rId25"/>
-    <p:sldId id="293" r:id="rId26"/>
-    <p:sldId id="291" r:id="rId27"/>
-    <p:sldId id="296" r:id="rId28"/>
-    <p:sldId id="297" r:id="rId29"/>
-    <p:sldId id="298" r:id="rId30"/>
-    <p:sldId id="299" r:id="rId31"/>
+    <p:sldId id="284" r:id="rId18"/>
+    <p:sldId id="287" r:id="rId19"/>
+    <p:sldId id="289" r:id="rId20"/>
+    <p:sldId id="295" r:id="rId21"/>
+    <p:sldId id="293" r:id="rId22"/>
+    <p:sldId id="291" r:id="rId23"/>
+    <p:sldId id="296" r:id="rId24"/>
+    <p:sldId id="297" r:id="rId25"/>
+    <p:sldId id="298" r:id="rId26"/>
+    <p:sldId id="300" r:id="rId27"/>
+    <p:sldId id="299" r:id="rId28"/>
   </p:sldIdLst>
   <p:sldSz cx="12192000" cy="6858000"/>
   <p:notesSz cx="6858000" cy="9144000"/>
@@ -163,7 +160,7 @@
           <p:cNvPr id="2" name="Title 1">
             <a:extLst>
               <a:ext uri="{FF2B5EF4-FFF2-40B4-BE49-F238E27FC236}">
-                <a16:creationId xmlns:a16="http://schemas.microsoft.com/office/drawing/2014/main" xmlns="" id="{4F535356-3A05-431A-B684-61303E49D3C0}"/>
+                <a16:creationId xmlns:a16="http://schemas.microsoft.com/office/drawing/2014/main" id="{4F535356-3A05-431A-B684-61303E49D3C0}"/>
               </a:ext>
             </a:extLst>
           </p:cNvPr>
@@ -200,7 +197,7 @@
           <p:cNvPr id="3" name="Subtitle 2">
             <a:extLst>
               <a:ext uri="{FF2B5EF4-FFF2-40B4-BE49-F238E27FC236}">
-                <a16:creationId xmlns:a16="http://schemas.microsoft.com/office/drawing/2014/main" xmlns="" id="{9B297690-11D6-4E5A-9CC4-C9BFF89E9029}"/>
+                <a16:creationId xmlns:a16="http://schemas.microsoft.com/office/drawing/2014/main" id="{9B297690-11D6-4E5A-9CC4-C9BFF89E9029}"/>
               </a:ext>
             </a:extLst>
           </p:cNvPr>
@@ -270,7 +267,7 @@
           <p:cNvPr id="4" name="Date Placeholder 3">
             <a:extLst>
               <a:ext uri="{FF2B5EF4-FFF2-40B4-BE49-F238E27FC236}">
-                <a16:creationId xmlns:a16="http://schemas.microsoft.com/office/drawing/2014/main" xmlns="" id="{C11416C7-A55A-44B2-98E1-5A0C165F057C}"/>
+                <a16:creationId xmlns:a16="http://schemas.microsoft.com/office/drawing/2014/main" id="{C11416C7-A55A-44B2-98E1-5A0C165F057C}"/>
               </a:ext>
             </a:extLst>
           </p:cNvPr>
@@ -288,7 +285,7 @@
           <a:p>
             <a:fld id="{F28FA523-62D8-40FE-B50A-1C662116A5AA}" type="datetimeFigureOut">
               <a:rPr lang="en-US" smtClean="0"/>
-              <a:t>1/12/2023</a:t>
+              <a:t>Sat</a:t>
             </a:fld>
             <a:endParaRPr lang="en-US"/>
           </a:p>
@@ -299,7 +296,7 @@
           <p:cNvPr id="5" name="Footer Placeholder 4">
             <a:extLst>
               <a:ext uri="{FF2B5EF4-FFF2-40B4-BE49-F238E27FC236}">
-                <a16:creationId xmlns:a16="http://schemas.microsoft.com/office/drawing/2014/main" xmlns="" id="{F44705EA-58C8-4E74-B8C8-107ECFDDA934}"/>
+                <a16:creationId xmlns:a16="http://schemas.microsoft.com/office/drawing/2014/main" id="{F44705EA-58C8-4E74-B8C8-107ECFDDA934}"/>
               </a:ext>
             </a:extLst>
           </p:cNvPr>
@@ -324,7 +321,7 @@
           <p:cNvPr id="6" name="Slide Number Placeholder 5">
             <a:extLst>
               <a:ext uri="{FF2B5EF4-FFF2-40B4-BE49-F238E27FC236}">
-                <a16:creationId xmlns:a16="http://schemas.microsoft.com/office/drawing/2014/main" xmlns="" id="{0C3F21B4-7CE3-4576-8D91-8D6CA4E9FF70}"/>
+                <a16:creationId xmlns:a16="http://schemas.microsoft.com/office/drawing/2014/main" id="{0C3F21B4-7CE3-4576-8D91-8D6CA4E9FF70}"/>
               </a:ext>
             </a:extLst>
           </p:cNvPr>
@@ -383,7 +380,7 @@
           <p:cNvPr id="2" name="Title 1">
             <a:extLst>
               <a:ext uri="{FF2B5EF4-FFF2-40B4-BE49-F238E27FC236}">
-                <a16:creationId xmlns:a16="http://schemas.microsoft.com/office/drawing/2014/main" xmlns="" id="{CCC9BA34-C9AE-4260-8B0A-496416BD3AAF}"/>
+                <a16:creationId xmlns:a16="http://schemas.microsoft.com/office/drawing/2014/main" id="{CCC9BA34-C9AE-4260-8B0A-496416BD3AAF}"/>
               </a:ext>
             </a:extLst>
           </p:cNvPr>
@@ -411,7 +408,7 @@
           <p:cNvPr id="3" name="Vertical Text Placeholder 2">
             <a:extLst>
               <a:ext uri="{FF2B5EF4-FFF2-40B4-BE49-F238E27FC236}">
-                <a16:creationId xmlns:a16="http://schemas.microsoft.com/office/drawing/2014/main" xmlns="" id="{296FACED-E9F3-45E3-ADD2-EBED32B317E6}"/>
+                <a16:creationId xmlns:a16="http://schemas.microsoft.com/office/drawing/2014/main" id="{296FACED-E9F3-45E3-ADD2-EBED32B317E6}"/>
               </a:ext>
             </a:extLst>
           </p:cNvPr>
@@ -468,7 +465,7 @@
           <p:cNvPr id="4" name="Date Placeholder 3">
             <a:extLst>
               <a:ext uri="{FF2B5EF4-FFF2-40B4-BE49-F238E27FC236}">
-                <a16:creationId xmlns:a16="http://schemas.microsoft.com/office/drawing/2014/main" xmlns="" id="{802C344B-1C65-436F-8B1F-D567F0B9FC9C}"/>
+                <a16:creationId xmlns:a16="http://schemas.microsoft.com/office/drawing/2014/main" id="{802C344B-1C65-436F-8B1F-D567F0B9FC9C}"/>
               </a:ext>
             </a:extLst>
           </p:cNvPr>
@@ -486,7 +483,7 @@
           <a:p>
             <a:fld id="{F28FA523-62D8-40FE-B50A-1C662116A5AA}" type="datetimeFigureOut">
               <a:rPr lang="en-US" smtClean="0"/>
-              <a:t>1/12/2023</a:t>
+              <a:t>Sat</a:t>
             </a:fld>
             <a:endParaRPr lang="en-US"/>
           </a:p>
@@ -497,7 +494,7 @@
           <p:cNvPr id="5" name="Footer Placeholder 4">
             <a:extLst>
               <a:ext uri="{FF2B5EF4-FFF2-40B4-BE49-F238E27FC236}">
-                <a16:creationId xmlns:a16="http://schemas.microsoft.com/office/drawing/2014/main" xmlns="" id="{4A7B22BB-7C8F-4C65-8464-BC5213B83143}"/>
+                <a16:creationId xmlns:a16="http://schemas.microsoft.com/office/drawing/2014/main" id="{4A7B22BB-7C8F-4C65-8464-BC5213B83143}"/>
               </a:ext>
             </a:extLst>
           </p:cNvPr>
@@ -522,7 +519,7 @@
           <p:cNvPr id="6" name="Slide Number Placeholder 5">
             <a:extLst>
               <a:ext uri="{FF2B5EF4-FFF2-40B4-BE49-F238E27FC236}">
-                <a16:creationId xmlns:a16="http://schemas.microsoft.com/office/drawing/2014/main" xmlns="" id="{60939837-CAF9-4417-9D53-3AEB992EF0B8}"/>
+                <a16:creationId xmlns:a16="http://schemas.microsoft.com/office/drawing/2014/main" id="{60939837-CAF9-4417-9D53-3AEB992EF0B8}"/>
               </a:ext>
             </a:extLst>
           </p:cNvPr>
@@ -581,7 +578,7 @@
           <p:cNvPr id="2" name="Vertical Title 1">
             <a:extLst>
               <a:ext uri="{FF2B5EF4-FFF2-40B4-BE49-F238E27FC236}">
-                <a16:creationId xmlns:a16="http://schemas.microsoft.com/office/drawing/2014/main" xmlns="" id="{E0CCEE94-7384-49A2-A7F8-EC875D50E51F}"/>
+                <a16:creationId xmlns:a16="http://schemas.microsoft.com/office/drawing/2014/main" id="{E0CCEE94-7384-49A2-A7F8-EC875D50E51F}"/>
               </a:ext>
             </a:extLst>
           </p:cNvPr>
@@ -614,7 +611,7 @@
           <p:cNvPr id="3" name="Vertical Text Placeholder 2">
             <a:extLst>
               <a:ext uri="{FF2B5EF4-FFF2-40B4-BE49-F238E27FC236}">
-                <a16:creationId xmlns:a16="http://schemas.microsoft.com/office/drawing/2014/main" xmlns="" id="{C6500690-3462-47A1-AC67-6A675F82B17C}"/>
+                <a16:creationId xmlns:a16="http://schemas.microsoft.com/office/drawing/2014/main" id="{C6500690-3462-47A1-AC67-6A675F82B17C}"/>
               </a:ext>
             </a:extLst>
           </p:cNvPr>
@@ -676,7 +673,7 @@
           <p:cNvPr id="4" name="Date Placeholder 3">
             <a:extLst>
               <a:ext uri="{FF2B5EF4-FFF2-40B4-BE49-F238E27FC236}">
-                <a16:creationId xmlns:a16="http://schemas.microsoft.com/office/drawing/2014/main" xmlns="" id="{79278BDF-C4E4-4859-9684-9BA1F67733CC}"/>
+                <a16:creationId xmlns:a16="http://schemas.microsoft.com/office/drawing/2014/main" id="{79278BDF-C4E4-4859-9684-9BA1F67733CC}"/>
               </a:ext>
             </a:extLst>
           </p:cNvPr>
@@ -694,7 +691,7 @@
           <a:p>
             <a:fld id="{F28FA523-62D8-40FE-B50A-1C662116A5AA}" type="datetimeFigureOut">
               <a:rPr lang="en-US" smtClean="0"/>
-              <a:t>1/12/2023</a:t>
+              <a:t>Sat</a:t>
             </a:fld>
             <a:endParaRPr lang="en-US"/>
           </a:p>
@@ -705,7 +702,7 @@
           <p:cNvPr id="5" name="Footer Placeholder 4">
             <a:extLst>
               <a:ext uri="{FF2B5EF4-FFF2-40B4-BE49-F238E27FC236}">
-                <a16:creationId xmlns:a16="http://schemas.microsoft.com/office/drawing/2014/main" xmlns="" id="{86AADD24-F7FD-40BC-93BE-EECC440721CD}"/>
+                <a16:creationId xmlns:a16="http://schemas.microsoft.com/office/drawing/2014/main" id="{86AADD24-F7FD-40BC-93BE-EECC440721CD}"/>
               </a:ext>
             </a:extLst>
           </p:cNvPr>
@@ -730,7 +727,7 @@
           <p:cNvPr id="6" name="Slide Number Placeholder 5">
             <a:extLst>
               <a:ext uri="{FF2B5EF4-FFF2-40B4-BE49-F238E27FC236}">
-                <a16:creationId xmlns:a16="http://schemas.microsoft.com/office/drawing/2014/main" xmlns="" id="{F88C7385-6A64-4128-BAB7-DB2A9A356E13}"/>
+                <a16:creationId xmlns:a16="http://schemas.microsoft.com/office/drawing/2014/main" id="{F88C7385-6A64-4128-BAB7-DB2A9A356E13}"/>
               </a:ext>
             </a:extLst>
           </p:cNvPr>
@@ -789,7 +786,7 @@
           <p:cNvPr id="2" name="Title 1">
             <a:extLst>
               <a:ext uri="{FF2B5EF4-FFF2-40B4-BE49-F238E27FC236}">
-                <a16:creationId xmlns:a16="http://schemas.microsoft.com/office/drawing/2014/main" xmlns="" id="{80F2D37A-155C-4FA5-B056-2872350C1657}"/>
+                <a16:creationId xmlns:a16="http://schemas.microsoft.com/office/drawing/2014/main" id="{80F2D37A-155C-4FA5-B056-2872350C1657}"/>
               </a:ext>
             </a:extLst>
           </p:cNvPr>
@@ -817,7 +814,7 @@
           <p:cNvPr id="3" name="Content Placeholder 2">
             <a:extLst>
               <a:ext uri="{FF2B5EF4-FFF2-40B4-BE49-F238E27FC236}">
-                <a16:creationId xmlns:a16="http://schemas.microsoft.com/office/drawing/2014/main" xmlns="" id="{F703D469-773A-44B3-BCC2-A33D186ECA31}"/>
+                <a16:creationId xmlns:a16="http://schemas.microsoft.com/office/drawing/2014/main" id="{F703D469-773A-44B3-BCC2-A33D186ECA31}"/>
               </a:ext>
             </a:extLst>
           </p:cNvPr>
@@ -874,7 +871,7 @@
           <p:cNvPr id="4" name="Date Placeholder 3">
             <a:extLst>
               <a:ext uri="{FF2B5EF4-FFF2-40B4-BE49-F238E27FC236}">
-                <a16:creationId xmlns:a16="http://schemas.microsoft.com/office/drawing/2014/main" xmlns="" id="{6C745484-09CE-4BD2-A91C-FDF128E50C71}"/>
+                <a16:creationId xmlns:a16="http://schemas.microsoft.com/office/drawing/2014/main" id="{6C745484-09CE-4BD2-A91C-FDF128E50C71}"/>
               </a:ext>
             </a:extLst>
           </p:cNvPr>
@@ -892,7 +889,7 @@
           <a:p>
             <a:fld id="{F28FA523-62D8-40FE-B50A-1C662116A5AA}" type="datetimeFigureOut">
               <a:rPr lang="en-US" smtClean="0"/>
-              <a:t>1/12/2023</a:t>
+              <a:t>Sat</a:t>
             </a:fld>
             <a:endParaRPr lang="en-US"/>
           </a:p>
@@ -903,7 +900,7 @@
           <p:cNvPr id="5" name="Footer Placeholder 4">
             <a:extLst>
               <a:ext uri="{FF2B5EF4-FFF2-40B4-BE49-F238E27FC236}">
-                <a16:creationId xmlns:a16="http://schemas.microsoft.com/office/drawing/2014/main" xmlns="" id="{1CE4898E-3DFE-43AA-834C-A902E7371DF6}"/>
+                <a16:creationId xmlns:a16="http://schemas.microsoft.com/office/drawing/2014/main" id="{1CE4898E-3DFE-43AA-834C-A902E7371DF6}"/>
               </a:ext>
             </a:extLst>
           </p:cNvPr>
@@ -928,7 +925,7 @@
           <p:cNvPr id="6" name="Slide Number Placeholder 5">
             <a:extLst>
               <a:ext uri="{FF2B5EF4-FFF2-40B4-BE49-F238E27FC236}">
-                <a16:creationId xmlns:a16="http://schemas.microsoft.com/office/drawing/2014/main" xmlns="" id="{D98D3619-2B1A-4F1B-867D-DAFAAED213D2}"/>
+                <a16:creationId xmlns:a16="http://schemas.microsoft.com/office/drawing/2014/main" id="{D98D3619-2B1A-4F1B-867D-DAFAAED213D2}"/>
               </a:ext>
             </a:extLst>
           </p:cNvPr>
@@ -987,7 +984,7 @@
           <p:cNvPr id="2" name="Title 1">
             <a:extLst>
               <a:ext uri="{FF2B5EF4-FFF2-40B4-BE49-F238E27FC236}">
-                <a16:creationId xmlns:a16="http://schemas.microsoft.com/office/drawing/2014/main" xmlns="" id="{93027247-A6E8-4364-8C9D-B2AF8D2CA644}"/>
+                <a16:creationId xmlns:a16="http://schemas.microsoft.com/office/drawing/2014/main" id="{93027247-A6E8-4364-8C9D-B2AF8D2CA644}"/>
               </a:ext>
             </a:extLst>
           </p:cNvPr>
@@ -1024,7 +1021,7 @@
           <p:cNvPr id="3" name="Text Placeholder 2">
             <a:extLst>
               <a:ext uri="{FF2B5EF4-FFF2-40B4-BE49-F238E27FC236}">
-                <a16:creationId xmlns:a16="http://schemas.microsoft.com/office/drawing/2014/main" xmlns="" id="{91C4D00C-10F3-4A40-A79E-6ECEA849659E}"/>
+                <a16:creationId xmlns:a16="http://schemas.microsoft.com/office/drawing/2014/main" id="{91C4D00C-10F3-4A40-A79E-6ECEA849659E}"/>
               </a:ext>
             </a:extLst>
           </p:cNvPr>
@@ -1149,7 +1146,7 @@
           <p:cNvPr id="4" name="Date Placeholder 3">
             <a:extLst>
               <a:ext uri="{FF2B5EF4-FFF2-40B4-BE49-F238E27FC236}">
-                <a16:creationId xmlns:a16="http://schemas.microsoft.com/office/drawing/2014/main" xmlns="" id="{F7B05C93-F4B2-4F38-B2B4-B0DFFAAF0064}"/>
+                <a16:creationId xmlns:a16="http://schemas.microsoft.com/office/drawing/2014/main" id="{F7B05C93-F4B2-4F38-B2B4-B0DFFAAF0064}"/>
               </a:ext>
             </a:extLst>
           </p:cNvPr>
@@ -1167,7 +1164,7 @@
           <a:p>
             <a:fld id="{F28FA523-62D8-40FE-B50A-1C662116A5AA}" type="datetimeFigureOut">
               <a:rPr lang="en-US" smtClean="0"/>
-              <a:t>1/12/2023</a:t>
+              <a:t>Sat</a:t>
             </a:fld>
             <a:endParaRPr lang="en-US"/>
           </a:p>
@@ -1178,7 +1175,7 @@
           <p:cNvPr id="5" name="Footer Placeholder 4">
             <a:extLst>
               <a:ext uri="{FF2B5EF4-FFF2-40B4-BE49-F238E27FC236}">
-                <a16:creationId xmlns:a16="http://schemas.microsoft.com/office/drawing/2014/main" xmlns="" id="{BCBCE96B-06E4-462A-B314-2F69EDC78F0F}"/>
+                <a16:creationId xmlns:a16="http://schemas.microsoft.com/office/drawing/2014/main" id="{BCBCE96B-06E4-462A-B314-2F69EDC78F0F}"/>
               </a:ext>
             </a:extLst>
           </p:cNvPr>
@@ -1203,7 +1200,7 @@
           <p:cNvPr id="6" name="Slide Number Placeholder 5">
             <a:extLst>
               <a:ext uri="{FF2B5EF4-FFF2-40B4-BE49-F238E27FC236}">
-                <a16:creationId xmlns:a16="http://schemas.microsoft.com/office/drawing/2014/main" xmlns="" id="{AFD06B13-434E-48BA-ABF1-B5228AC4D401}"/>
+                <a16:creationId xmlns:a16="http://schemas.microsoft.com/office/drawing/2014/main" id="{AFD06B13-434E-48BA-ABF1-B5228AC4D401}"/>
               </a:ext>
             </a:extLst>
           </p:cNvPr>
@@ -1262,7 +1259,7 @@
           <p:cNvPr id="2" name="Title 1">
             <a:extLst>
               <a:ext uri="{FF2B5EF4-FFF2-40B4-BE49-F238E27FC236}">
-                <a16:creationId xmlns:a16="http://schemas.microsoft.com/office/drawing/2014/main" xmlns="" id="{E9369BCB-1AE4-4FC8-AF2D-F87AD93B50FC}"/>
+                <a16:creationId xmlns:a16="http://schemas.microsoft.com/office/drawing/2014/main" id="{E9369BCB-1AE4-4FC8-AF2D-F87AD93B50FC}"/>
               </a:ext>
             </a:extLst>
           </p:cNvPr>
@@ -1290,7 +1287,7 @@
           <p:cNvPr id="3" name="Content Placeholder 2">
             <a:extLst>
               <a:ext uri="{FF2B5EF4-FFF2-40B4-BE49-F238E27FC236}">
-                <a16:creationId xmlns:a16="http://schemas.microsoft.com/office/drawing/2014/main" xmlns="" id="{2D2ACA7C-A8C4-44EB-9D8B-BFB804DDF47D}"/>
+                <a16:creationId xmlns:a16="http://schemas.microsoft.com/office/drawing/2014/main" id="{2D2ACA7C-A8C4-44EB-9D8B-BFB804DDF47D}"/>
               </a:ext>
             </a:extLst>
           </p:cNvPr>
@@ -1352,7 +1349,7 @@
           <p:cNvPr id="4" name="Content Placeholder 3">
             <a:extLst>
               <a:ext uri="{FF2B5EF4-FFF2-40B4-BE49-F238E27FC236}">
-                <a16:creationId xmlns:a16="http://schemas.microsoft.com/office/drawing/2014/main" xmlns="" id="{802BBA57-14F8-4A72-8E5B-07BE01DF7D73}"/>
+                <a16:creationId xmlns:a16="http://schemas.microsoft.com/office/drawing/2014/main" id="{802BBA57-14F8-4A72-8E5B-07BE01DF7D73}"/>
               </a:ext>
             </a:extLst>
           </p:cNvPr>
@@ -1414,7 +1411,7 @@
           <p:cNvPr id="5" name="Date Placeholder 4">
             <a:extLst>
               <a:ext uri="{FF2B5EF4-FFF2-40B4-BE49-F238E27FC236}">
-                <a16:creationId xmlns:a16="http://schemas.microsoft.com/office/drawing/2014/main" xmlns="" id="{7A42AF21-121E-484C-B172-7533D9EF8B6A}"/>
+                <a16:creationId xmlns:a16="http://schemas.microsoft.com/office/drawing/2014/main" id="{7A42AF21-121E-484C-B172-7533D9EF8B6A}"/>
               </a:ext>
             </a:extLst>
           </p:cNvPr>
@@ -1432,7 +1429,7 @@
           <a:p>
             <a:fld id="{F28FA523-62D8-40FE-B50A-1C662116A5AA}" type="datetimeFigureOut">
               <a:rPr lang="en-US" smtClean="0"/>
-              <a:t>1/12/2023</a:t>
+              <a:t>Sat</a:t>
             </a:fld>
             <a:endParaRPr lang="en-US"/>
           </a:p>
@@ -1443,7 +1440,7 @@
           <p:cNvPr id="6" name="Footer Placeholder 5">
             <a:extLst>
               <a:ext uri="{FF2B5EF4-FFF2-40B4-BE49-F238E27FC236}">
-                <a16:creationId xmlns:a16="http://schemas.microsoft.com/office/drawing/2014/main" xmlns="" id="{3345619D-AFBE-4EF9-AA98-707AD60A8A4D}"/>
+                <a16:creationId xmlns:a16="http://schemas.microsoft.com/office/drawing/2014/main" id="{3345619D-AFBE-4EF9-AA98-707AD60A8A4D}"/>
               </a:ext>
             </a:extLst>
           </p:cNvPr>
@@ -1468,7 +1465,7 @@
           <p:cNvPr id="7" name="Slide Number Placeholder 6">
             <a:extLst>
               <a:ext uri="{FF2B5EF4-FFF2-40B4-BE49-F238E27FC236}">
-                <a16:creationId xmlns:a16="http://schemas.microsoft.com/office/drawing/2014/main" xmlns="" id="{C5CF6074-A3D8-433D-AE41-23CDE85553C7}"/>
+                <a16:creationId xmlns:a16="http://schemas.microsoft.com/office/drawing/2014/main" id="{C5CF6074-A3D8-433D-AE41-23CDE85553C7}"/>
               </a:ext>
             </a:extLst>
           </p:cNvPr>
@@ -1527,7 +1524,7 @@
           <p:cNvPr id="2" name="Title 1">
             <a:extLst>
               <a:ext uri="{FF2B5EF4-FFF2-40B4-BE49-F238E27FC236}">
-                <a16:creationId xmlns:a16="http://schemas.microsoft.com/office/drawing/2014/main" xmlns="" id="{2A1C9217-5CF2-49A9-9BFE-85D8BBC20D33}"/>
+                <a16:creationId xmlns:a16="http://schemas.microsoft.com/office/drawing/2014/main" id="{2A1C9217-5CF2-49A9-9BFE-85D8BBC20D33}"/>
               </a:ext>
             </a:extLst>
           </p:cNvPr>
@@ -1560,7 +1557,7 @@
           <p:cNvPr id="3" name="Text Placeholder 2">
             <a:extLst>
               <a:ext uri="{FF2B5EF4-FFF2-40B4-BE49-F238E27FC236}">
-                <a16:creationId xmlns:a16="http://schemas.microsoft.com/office/drawing/2014/main" xmlns="" id="{3F163B92-FC9B-47EE-B098-9566F8EA90A8}"/>
+                <a16:creationId xmlns:a16="http://schemas.microsoft.com/office/drawing/2014/main" id="{3F163B92-FC9B-47EE-B098-9566F8EA90A8}"/>
               </a:ext>
             </a:extLst>
           </p:cNvPr>
@@ -1631,7 +1628,7 @@
           <p:cNvPr id="4" name="Content Placeholder 3">
             <a:extLst>
               <a:ext uri="{FF2B5EF4-FFF2-40B4-BE49-F238E27FC236}">
-                <a16:creationId xmlns:a16="http://schemas.microsoft.com/office/drawing/2014/main" xmlns="" id="{CC312AD5-B562-46A6-8BBA-370932110E8E}"/>
+                <a16:creationId xmlns:a16="http://schemas.microsoft.com/office/drawing/2014/main" id="{CC312AD5-B562-46A6-8BBA-370932110E8E}"/>
               </a:ext>
             </a:extLst>
           </p:cNvPr>
@@ -1693,7 +1690,7 @@
           <p:cNvPr id="5" name="Text Placeholder 4">
             <a:extLst>
               <a:ext uri="{FF2B5EF4-FFF2-40B4-BE49-F238E27FC236}">
-                <a16:creationId xmlns:a16="http://schemas.microsoft.com/office/drawing/2014/main" xmlns="" id="{7113ABC6-54A7-4A21-A42E-F1A27A7F3078}"/>
+                <a16:creationId xmlns:a16="http://schemas.microsoft.com/office/drawing/2014/main" id="{7113ABC6-54A7-4A21-A42E-F1A27A7F3078}"/>
               </a:ext>
             </a:extLst>
           </p:cNvPr>
@@ -1764,7 +1761,7 @@
           <p:cNvPr id="6" name="Content Placeholder 5">
             <a:extLst>
               <a:ext uri="{FF2B5EF4-FFF2-40B4-BE49-F238E27FC236}">
-                <a16:creationId xmlns:a16="http://schemas.microsoft.com/office/drawing/2014/main" xmlns="" id="{B7E01E44-FB9B-4CCC-B8BD-D30A5682920C}"/>
+                <a16:creationId xmlns:a16="http://schemas.microsoft.com/office/drawing/2014/main" id="{B7E01E44-FB9B-4CCC-B8BD-D30A5682920C}"/>
               </a:ext>
             </a:extLst>
           </p:cNvPr>
@@ -1826,7 +1823,7 @@
           <p:cNvPr id="7" name="Date Placeholder 6">
             <a:extLst>
               <a:ext uri="{FF2B5EF4-FFF2-40B4-BE49-F238E27FC236}">
-                <a16:creationId xmlns:a16="http://schemas.microsoft.com/office/drawing/2014/main" xmlns="" id="{2B754A56-AD07-440F-8C01-85DD8F3181F6}"/>
+                <a16:creationId xmlns:a16="http://schemas.microsoft.com/office/drawing/2014/main" id="{2B754A56-AD07-440F-8C01-85DD8F3181F6}"/>
               </a:ext>
             </a:extLst>
           </p:cNvPr>
@@ -1844,7 +1841,7 @@
           <a:p>
             <a:fld id="{F28FA523-62D8-40FE-B50A-1C662116A5AA}" type="datetimeFigureOut">
               <a:rPr lang="en-US" smtClean="0"/>
-              <a:t>1/12/2023</a:t>
+              <a:t>Sat</a:t>
             </a:fld>
             <a:endParaRPr lang="en-US"/>
           </a:p>
@@ -1855,7 +1852,7 @@
           <p:cNvPr id="8" name="Footer Placeholder 7">
             <a:extLst>
               <a:ext uri="{FF2B5EF4-FFF2-40B4-BE49-F238E27FC236}">
-                <a16:creationId xmlns:a16="http://schemas.microsoft.com/office/drawing/2014/main" xmlns="" id="{84A94E45-F887-42DE-A4F8-017795B03D4B}"/>
+                <a16:creationId xmlns:a16="http://schemas.microsoft.com/office/drawing/2014/main" id="{84A94E45-F887-42DE-A4F8-017795B03D4B}"/>
               </a:ext>
             </a:extLst>
           </p:cNvPr>
@@ -1880,7 +1877,7 @@
           <p:cNvPr id="9" name="Slide Number Placeholder 8">
             <a:extLst>
               <a:ext uri="{FF2B5EF4-FFF2-40B4-BE49-F238E27FC236}">
-                <a16:creationId xmlns:a16="http://schemas.microsoft.com/office/drawing/2014/main" xmlns="" id="{3A41BB22-B7A9-4E3A-BA9C-F00299605180}"/>
+                <a16:creationId xmlns:a16="http://schemas.microsoft.com/office/drawing/2014/main" id="{3A41BB22-B7A9-4E3A-BA9C-F00299605180}"/>
               </a:ext>
             </a:extLst>
           </p:cNvPr>
@@ -1939,7 +1936,7 @@
           <p:cNvPr id="2" name="Title 1">
             <a:extLst>
               <a:ext uri="{FF2B5EF4-FFF2-40B4-BE49-F238E27FC236}">
-                <a16:creationId xmlns:a16="http://schemas.microsoft.com/office/drawing/2014/main" xmlns="" id="{0D4A3F82-F329-4894-8542-A96D7D7D3A7B}"/>
+                <a16:creationId xmlns:a16="http://schemas.microsoft.com/office/drawing/2014/main" id="{0D4A3F82-F329-4894-8542-A96D7D7D3A7B}"/>
               </a:ext>
             </a:extLst>
           </p:cNvPr>
@@ -1967,7 +1964,7 @@
           <p:cNvPr id="3" name="Date Placeholder 2">
             <a:extLst>
               <a:ext uri="{FF2B5EF4-FFF2-40B4-BE49-F238E27FC236}">
-                <a16:creationId xmlns:a16="http://schemas.microsoft.com/office/drawing/2014/main" xmlns="" id="{D8560A69-7451-42AB-8EDE-55877DCCC576}"/>
+                <a16:creationId xmlns:a16="http://schemas.microsoft.com/office/drawing/2014/main" id="{D8560A69-7451-42AB-8EDE-55877DCCC576}"/>
               </a:ext>
             </a:extLst>
           </p:cNvPr>
@@ -1985,7 +1982,7 @@
           <a:p>
             <a:fld id="{F28FA523-62D8-40FE-B50A-1C662116A5AA}" type="datetimeFigureOut">
               <a:rPr lang="en-US" smtClean="0"/>
-              <a:t>1/12/2023</a:t>
+              <a:t>Sat</a:t>
             </a:fld>
             <a:endParaRPr lang="en-US"/>
           </a:p>
@@ -1996,7 +1993,7 @@
           <p:cNvPr id="4" name="Footer Placeholder 3">
             <a:extLst>
               <a:ext uri="{FF2B5EF4-FFF2-40B4-BE49-F238E27FC236}">
-                <a16:creationId xmlns:a16="http://schemas.microsoft.com/office/drawing/2014/main" xmlns="" id="{EDC485EA-5E68-47B8-B778-76C1B8C1BF64}"/>
+                <a16:creationId xmlns:a16="http://schemas.microsoft.com/office/drawing/2014/main" id="{EDC485EA-5E68-47B8-B778-76C1B8C1BF64}"/>
               </a:ext>
             </a:extLst>
           </p:cNvPr>
@@ -2021,7 +2018,7 @@
           <p:cNvPr id="5" name="Slide Number Placeholder 4">
             <a:extLst>
               <a:ext uri="{FF2B5EF4-FFF2-40B4-BE49-F238E27FC236}">
-                <a16:creationId xmlns:a16="http://schemas.microsoft.com/office/drawing/2014/main" xmlns="" id="{07CFF2DF-7F6F-4E10-9FAD-42832B084425}"/>
+                <a16:creationId xmlns:a16="http://schemas.microsoft.com/office/drawing/2014/main" id="{07CFF2DF-7F6F-4E10-9FAD-42832B084425}"/>
               </a:ext>
             </a:extLst>
           </p:cNvPr>
@@ -2080,7 +2077,7 @@
           <p:cNvPr id="2" name="Date Placeholder 1">
             <a:extLst>
               <a:ext uri="{FF2B5EF4-FFF2-40B4-BE49-F238E27FC236}">
-                <a16:creationId xmlns:a16="http://schemas.microsoft.com/office/drawing/2014/main" xmlns="" id="{95F60988-A73A-455A-814A-BEA4A87180A3}"/>
+                <a16:creationId xmlns:a16="http://schemas.microsoft.com/office/drawing/2014/main" id="{95F60988-A73A-455A-814A-BEA4A87180A3}"/>
               </a:ext>
             </a:extLst>
           </p:cNvPr>
@@ -2098,7 +2095,7 @@
           <a:p>
             <a:fld id="{F28FA523-62D8-40FE-B50A-1C662116A5AA}" type="datetimeFigureOut">
               <a:rPr lang="en-US" smtClean="0"/>
-              <a:t>1/12/2023</a:t>
+              <a:t>Sat</a:t>
             </a:fld>
             <a:endParaRPr lang="en-US"/>
           </a:p>
@@ -2109,7 +2106,7 @@
           <p:cNvPr id="3" name="Footer Placeholder 2">
             <a:extLst>
               <a:ext uri="{FF2B5EF4-FFF2-40B4-BE49-F238E27FC236}">
-                <a16:creationId xmlns:a16="http://schemas.microsoft.com/office/drawing/2014/main" xmlns="" id="{60821B36-BD83-45AA-A4F6-E3668031637A}"/>
+                <a16:creationId xmlns:a16="http://schemas.microsoft.com/office/drawing/2014/main" id="{60821B36-BD83-45AA-A4F6-E3668031637A}"/>
               </a:ext>
             </a:extLst>
           </p:cNvPr>
@@ -2134,7 +2131,7 @@
           <p:cNvPr id="4" name="Slide Number Placeholder 3">
             <a:extLst>
               <a:ext uri="{FF2B5EF4-FFF2-40B4-BE49-F238E27FC236}">
-                <a16:creationId xmlns:a16="http://schemas.microsoft.com/office/drawing/2014/main" xmlns="" id="{2ACABF02-4604-49AF-97D7-D26A9E29170D}"/>
+                <a16:creationId xmlns:a16="http://schemas.microsoft.com/office/drawing/2014/main" id="{2ACABF02-4604-49AF-97D7-D26A9E29170D}"/>
               </a:ext>
             </a:extLst>
           </p:cNvPr>
@@ -2193,7 +2190,7 @@
           <p:cNvPr id="2" name="Title 1">
             <a:extLst>
               <a:ext uri="{FF2B5EF4-FFF2-40B4-BE49-F238E27FC236}">
-                <a16:creationId xmlns:a16="http://schemas.microsoft.com/office/drawing/2014/main" xmlns="" id="{C21FC1C9-9246-454C-A049-0B14BC2E1A28}"/>
+                <a16:creationId xmlns:a16="http://schemas.microsoft.com/office/drawing/2014/main" id="{C21FC1C9-9246-454C-A049-0B14BC2E1A28}"/>
               </a:ext>
             </a:extLst>
           </p:cNvPr>
@@ -2230,7 +2227,7 @@
           <p:cNvPr id="3" name="Content Placeholder 2">
             <a:extLst>
               <a:ext uri="{FF2B5EF4-FFF2-40B4-BE49-F238E27FC236}">
-                <a16:creationId xmlns:a16="http://schemas.microsoft.com/office/drawing/2014/main" xmlns="" id="{8F938CD0-56F2-434F-AD6C-56356C6EB746}"/>
+                <a16:creationId xmlns:a16="http://schemas.microsoft.com/office/drawing/2014/main" id="{8F938CD0-56F2-434F-AD6C-56356C6EB746}"/>
               </a:ext>
             </a:extLst>
           </p:cNvPr>
@@ -2320,7 +2317,7 @@
           <p:cNvPr id="4" name="Text Placeholder 3">
             <a:extLst>
               <a:ext uri="{FF2B5EF4-FFF2-40B4-BE49-F238E27FC236}">
-                <a16:creationId xmlns:a16="http://schemas.microsoft.com/office/drawing/2014/main" xmlns="" id="{16999759-3DCA-41D0-9B9D-3E42C6E65294}"/>
+                <a16:creationId xmlns:a16="http://schemas.microsoft.com/office/drawing/2014/main" id="{16999759-3DCA-41D0-9B9D-3E42C6E65294}"/>
               </a:ext>
             </a:extLst>
           </p:cNvPr>
@@ -2391,7 +2388,7 @@
           <p:cNvPr id="5" name="Date Placeholder 4">
             <a:extLst>
               <a:ext uri="{FF2B5EF4-FFF2-40B4-BE49-F238E27FC236}">
-                <a16:creationId xmlns:a16="http://schemas.microsoft.com/office/drawing/2014/main" xmlns="" id="{822AF5CF-C2BD-435F-91C9-CF14CBCFA9A1}"/>
+                <a16:creationId xmlns:a16="http://schemas.microsoft.com/office/drawing/2014/main" id="{822AF5CF-C2BD-435F-91C9-CF14CBCFA9A1}"/>
               </a:ext>
             </a:extLst>
           </p:cNvPr>
@@ -2409,7 +2406,7 @@
           <a:p>
             <a:fld id="{F28FA523-62D8-40FE-B50A-1C662116A5AA}" type="datetimeFigureOut">
               <a:rPr lang="en-US" smtClean="0"/>
-              <a:t>1/12/2023</a:t>
+              <a:t>Sat</a:t>
             </a:fld>
             <a:endParaRPr lang="en-US"/>
           </a:p>
@@ -2420,7 +2417,7 @@
           <p:cNvPr id="6" name="Footer Placeholder 5">
             <a:extLst>
               <a:ext uri="{FF2B5EF4-FFF2-40B4-BE49-F238E27FC236}">
-                <a16:creationId xmlns:a16="http://schemas.microsoft.com/office/drawing/2014/main" xmlns="" id="{F41DE8A7-2F05-4B1D-A944-BE143212417E}"/>
+                <a16:creationId xmlns:a16="http://schemas.microsoft.com/office/drawing/2014/main" id="{F41DE8A7-2F05-4B1D-A944-BE143212417E}"/>
               </a:ext>
             </a:extLst>
           </p:cNvPr>
@@ -2445,7 +2442,7 @@
           <p:cNvPr id="7" name="Slide Number Placeholder 6">
             <a:extLst>
               <a:ext uri="{FF2B5EF4-FFF2-40B4-BE49-F238E27FC236}">
-                <a16:creationId xmlns:a16="http://schemas.microsoft.com/office/drawing/2014/main" xmlns="" id="{9034D1F9-A8ED-4740-9AB1-DE3717CAA146}"/>
+                <a16:creationId xmlns:a16="http://schemas.microsoft.com/office/drawing/2014/main" id="{9034D1F9-A8ED-4740-9AB1-DE3717CAA146}"/>
               </a:ext>
             </a:extLst>
           </p:cNvPr>
@@ -2504,7 +2501,7 @@
           <p:cNvPr id="2" name="Title 1">
             <a:extLst>
               <a:ext uri="{FF2B5EF4-FFF2-40B4-BE49-F238E27FC236}">
-                <a16:creationId xmlns:a16="http://schemas.microsoft.com/office/drawing/2014/main" xmlns="" id="{509AC113-A557-4C60-995A-A859273E5DC0}"/>
+                <a16:creationId xmlns:a16="http://schemas.microsoft.com/office/drawing/2014/main" id="{509AC113-A557-4C60-995A-A859273E5DC0}"/>
               </a:ext>
             </a:extLst>
           </p:cNvPr>
@@ -2541,7 +2538,7 @@
           <p:cNvPr id="3" name="Picture Placeholder 2">
             <a:extLst>
               <a:ext uri="{FF2B5EF4-FFF2-40B4-BE49-F238E27FC236}">
-                <a16:creationId xmlns:a16="http://schemas.microsoft.com/office/drawing/2014/main" xmlns="" id="{6BF2358B-488E-4F17-AE09-6981E397029A}"/>
+                <a16:creationId xmlns:a16="http://schemas.microsoft.com/office/drawing/2014/main" id="{6BF2358B-488E-4F17-AE09-6981E397029A}"/>
               </a:ext>
             </a:extLst>
           </p:cNvPr>
@@ -2608,7 +2605,7 @@
           <p:cNvPr id="4" name="Text Placeholder 3">
             <a:extLst>
               <a:ext uri="{FF2B5EF4-FFF2-40B4-BE49-F238E27FC236}">
-                <a16:creationId xmlns:a16="http://schemas.microsoft.com/office/drawing/2014/main" xmlns="" id="{984695AC-F039-4A8C-AFB6-6D33E7C4DB83}"/>
+                <a16:creationId xmlns:a16="http://schemas.microsoft.com/office/drawing/2014/main" id="{984695AC-F039-4A8C-AFB6-6D33E7C4DB83}"/>
               </a:ext>
             </a:extLst>
           </p:cNvPr>
@@ -2679,7 +2676,7 @@
           <p:cNvPr id="5" name="Date Placeholder 4">
             <a:extLst>
               <a:ext uri="{FF2B5EF4-FFF2-40B4-BE49-F238E27FC236}">
-                <a16:creationId xmlns:a16="http://schemas.microsoft.com/office/drawing/2014/main" xmlns="" id="{C88D8C3D-F16F-4F2D-B712-588086B91E6A}"/>
+                <a16:creationId xmlns:a16="http://schemas.microsoft.com/office/drawing/2014/main" id="{C88D8C3D-F16F-4F2D-B712-588086B91E6A}"/>
               </a:ext>
             </a:extLst>
           </p:cNvPr>
@@ -2697,7 +2694,7 @@
           <a:p>
             <a:fld id="{F28FA523-62D8-40FE-B50A-1C662116A5AA}" type="datetimeFigureOut">
               <a:rPr lang="en-US" smtClean="0"/>
-              <a:t>1/12/2023</a:t>
+              <a:t>Sat</a:t>
             </a:fld>
             <a:endParaRPr lang="en-US"/>
           </a:p>
@@ -2708,7 +2705,7 @@
           <p:cNvPr id="6" name="Footer Placeholder 5">
             <a:extLst>
               <a:ext uri="{FF2B5EF4-FFF2-40B4-BE49-F238E27FC236}">
-                <a16:creationId xmlns:a16="http://schemas.microsoft.com/office/drawing/2014/main" xmlns="" id="{364CF711-B22F-45E2-B927-CF55EC6D0F77}"/>
+                <a16:creationId xmlns:a16="http://schemas.microsoft.com/office/drawing/2014/main" id="{364CF711-B22F-45E2-B927-CF55EC6D0F77}"/>
               </a:ext>
             </a:extLst>
           </p:cNvPr>
@@ -2733,7 +2730,7 @@
           <p:cNvPr id="7" name="Slide Number Placeholder 6">
             <a:extLst>
               <a:ext uri="{FF2B5EF4-FFF2-40B4-BE49-F238E27FC236}">
-                <a16:creationId xmlns:a16="http://schemas.microsoft.com/office/drawing/2014/main" xmlns="" id="{36938C1C-8966-452D-B2D3-952CBB7F7F84}"/>
+                <a16:creationId xmlns:a16="http://schemas.microsoft.com/office/drawing/2014/main" id="{36938C1C-8966-452D-B2D3-952CBB7F7F84}"/>
               </a:ext>
             </a:extLst>
           </p:cNvPr>
@@ -2797,7 +2794,7 @@
           <p:cNvPr id="2" name="Title Placeholder 1">
             <a:extLst>
               <a:ext uri="{FF2B5EF4-FFF2-40B4-BE49-F238E27FC236}">
-                <a16:creationId xmlns:a16="http://schemas.microsoft.com/office/drawing/2014/main" xmlns="" id="{55BEA057-583E-4995-BD44-387E30A806C8}"/>
+                <a16:creationId xmlns:a16="http://schemas.microsoft.com/office/drawing/2014/main" id="{55BEA057-583E-4995-BD44-387E30A806C8}"/>
               </a:ext>
             </a:extLst>
           </p:cNvPr>
@@ -2835,7 +2832,7 @@
           <p:cNvPr id="3" name="Text Placeholder 2">
             <a:extLst>
               <a:ext uri="{FF2B5EF4-FFF2-40B4-BE49-F238E27FC236}">
-                <a16:creationId xmlns:a16="http://schemas.microsoft.com/office/drawing/2014/main" xmlns="" id="{328F1DDD-E76A-41B4-9E53-EEAD8F589C57}"/>
+                <a16:creationId xmlns:a16="http://schemas.microsoft.com/office/drawing/2014/main" id="{328F1DDD-E76A-41B4-9E53-EEAD8F589C57}"/>
               </a:ext>
             </a:extLst>
           </p:cNvPr>
@@ -2902,7 +2899,7 @@
           <p:cNvPr id="4" name="Date Placeholder 3">
             <a:extLst>
               <a:ext uri="{FF2B5EF4-FFF2-40B4-BE49-F238E27FC236}">
-                <a16:creationId xmlns:a16="http://schemas.microsoft.com/office/drawing/2014/main" xmlns="" id="{9D6263A5-6D36-4426-8434-6F0FD47ED732}"/>
+                <a16:creationId xmlns:a16="http://schemas.microsoft.com/office/drawing/2014/main" id="{9D6263A5-6D36-4426-8434-6F0FD47ED732}"/>
               </a:ext>
             </a:extLst>
           </p:cNvPr>
@@ -2938,7 +2935,7 @@
           <a:p>
             <a:fld id="{F28FA523-62D8-40FE-B50A-1C662116A5AA}" type="datetimeFigureOut">
               <a:rPr lang="en-US" smtClean="0"/>
-              <a:t>1/12/2023</a:t>
+              <a:t>Sat</a:t>
             </a:fld>
             <a:endParaRPr lang="en-US"/>
           </a:p>
@@ -2949,7 +2946,7 @@
           <p:cNvPr id="5" name="Footer Placeholder 4">
             <a:extLst>
               <a:ext uri="{FF2B5EF4-FFF2-40B4-BE49-F238E27FC236}">
-                <a16:creationId xmlns:a16="http://schemas.microsoft.com/office/drawing/2014/main" xmlns="" id="{D473CD9D-1673-4D1F-9612-387BEB813BAF}"/>
+                <a16:creationId xmlns:a16="http://schemas.microsoft.com/office/drawing/2014/main" id="{D473CD9D-1673-4D1F-9612-387BEB813BAF}"/>
               </a:ext>
             </a:extLst>
           </p:cNvPr>
@@ -2992,7 +2989,7 @@
           <p:cNvPr id="6" name="Slide Number Placeholder 5">
             <a:extLst>
               <a:ext uri="{FF2B5EF4-FFF2-40B4-BE49-F238E27FC236}">
-                <a16:creationId xmlns:a16="http://schemas.microsoft.com/office/drawing/2014/main" xmlns="" id="{1E416345-41D2-471B-9529-9686C27F5A09}"/>
+                <a16:creationId xmlns:a16="http://schemas.microsoft.com/office/drawing/2014/main" id="{1E416345-41D2-471B-9529-9686C27F5A09}"/>
               </a:ext>
             </a:extLst>
           </p:cNvPr>
@@ -3392,7 +3389,7 @@
           <a:lstStyle/>
           <a:p>
             <a:r>
-              <a:rPr lang="en-US" sz="2400" b="1" dirty="0" smtClean="0">
+              <a:rPr lang="en-US" sz="2400" b="1" dirty="0">
                 <a:solidFill>
                   <a:srgbClr val="00B050"/>
                 </a:solidFill>
@@ -3401,13 +3398,6 @@
               </a:rPr>
               <a:t>NEXT JS</a:t>
             </a:r>
-            <a:endParaRPr lang="en-US" sz="2400" b="1" dirty="0">
-              <a:solidFill>
-                <a:srgbClr val="00B050"/>
-              </a:solidFill>
-              <a:latin typeface="Roboto" panose="02000000000000000000" pitchFamily="2" charset="0"/>
-              <a:ea typeface="Roboto" panose="02000000000000000000" pitchFamily="2" charset="0"/>
-            </a:endParaRPr>
           </a:p>
         </p:txBody>
       </p:sp>
@@ -3448,37 +3438,19 @@
               <a:t>React is relatively </a:t>
             </a:r>
             <a:r>
-              <a:rPr lang="en-US" dirty="0" err="1" smtClean="0">
+              <a:rPr lang="en-US" dirty="0" err="1">
                 <a:latin typeface="Roboto" panose="02000000000000000000" pitchFamily="2" charset="0"/>
                 <a:ea typeface="Roboto" panose="02000000000000000000" pitchFamily="2" charset="0"/>
               </a:rPr>
               <a:t>unopinionated</a:t>
             </a:r>
             <a:r>
-              <a:rPr lang="en-US" dirty="0" smtClean="0">
-                <a:latin typeface="Roboto" panose="02000000000000000000" pitchFamily="2" charset="0"/>
-                <a:ea typeface="Roboto" panose="02000000000000000000" pitchFamily="2" charset="0"/>
-              </a:rPr>
-              <a:t> </a:t>
-            </a:r>
-            <a:r>
               <a:rPr lang="en-US" dirty="0">
                 <a:latin typeface="Roboto" panose="02000000000000000000" pitchFamily="2" charset="0"/>
                 <a:ea typeface="Roboto" panose="02000000000000000000" pitchFamily="2" charset="0"/>
               </a:rPr>
-              <a:t>about how you build and structure your </a:t>
-            </a:r>
-            <a:r>
-              <a:rPr lang="en-US" dirty="0" smtClean="0">
-                <a:latin typeface="Roboto" panose="02000000000000000000" pitchFamily="2" charset="0"/>
-                <a:ea typeface="Roboto" panose="02000000000000000000" pitchFamily="2" charset="0"/>
-              </a:rPr>
-              <a:t>applications. </a:t>
-            </a:r>
-            <a:endParaRPr lang="en-US" dirty="0">
-              <a:latin typeface="Roboto" panose="02000000000000000000" pitchFamily="2" charset="0"/>
-              <a:ea typeface="Roboto" panose="02000000000000000000" pitchFamily="2" charset="0"/>
-            </a:endParaRPr>
+              <a:t> about how you build and structure your applications. </a:t>
+            </a:r>
           </a:p>
           <a:p>
             <a:pPr marL="342900" indent="-342900">
@@ -3493,19 +3465,8 @@
                 <a:latin typeface="Roboto" panose="02000000000000000000" pitchFamily="2" charset="0"/>
                 <a:ea typeface="Roboto" panose="02000000000000000000" pitchFamily="2" charset="0"/>
               </a:rPr>
-              <a:t>There are multiple ways to build applications with React</a:t>
-            </a:r>
-            <a:r>
-              <a:rPr lang="en-US" dirty="0" smtClean="0">
-                <a:latin typeface="Roboto" panose="02000000000000000000" pitchFamily="2" charset="0"/>
-                <a:ea typeface="Roboto" panose="02000000000000000000" pitchFamily="2" charset="0"/>
-              </a:rPr>
-              <a:t>.</a:t>
-            </a:r>
-            <a:endParaRPr lang="en-US" dirty="0">
-              <a:latin typeface="Roboto" panose="02000000000000000000" pitchFamily="2" charset="0"/>
-              <a:ea typeface="Roboto" panose="02000000000000000000" pitchFamily="2" charset="0"/>
-            </a:endParaRPr>
+              <a:t>There are multiple ways to build applications with React.</a:t>
+            </a:r>
           </a:p>
           <a:p>
             <a:pPr marL="342900" indent="-342900">
@@ -3520,19 +3481,8 @@
                 <a:latin typeface="Roboto" panose="02000000000000000000" pitchFamily="2" charset="0"/>
                 <a:ea typeface="Roboto" panose="02000000000000000000" pitchFamily="2" charset="0"/>
               </a:rPr>
-              <a:t>Next.js provides a framework to structure your </a:t>
-            </a:r>
-            <a:r>
-              <a:rPr lang="en-US" dirty="0" smtClean="0">
-                <a:latin typeface="Roboto" panose="02000000000000000000" pitchFamily="2" charset="0"/>
-                <a:ea typeface="Roboto" panose="02000000000000000000" pitchFamily="2" charset="0"/>
-              </a:rPr>
-              <a:t>application.</a:t>
-            </a:r>
-            <a:endParaRPr lang="en-US" dirty="0">
-              <a:latin typeface="Roboto" panose="02000000000000000000" pitchFamily="2" charset="0"/>
-              <a:ea typeface="Roboto" panose="02000000000000000000" pitchFamily="2" charset="0"/>
-            </a:endParaRPr>
+              <a:t>Next.js provides a framework to structure your application.</a:t>
+            </a:r>
           </a:p>
           <a:p>
             <a:pPr marL="342900" indent="-342900">
@@ -3547,19 +3497,8 @@
                 <a:latin typeface="Roboto" panose="02000000000000000000" pitchFamily="2" charset="0"/>
                 <a:ea typeface="Roboto" panose="02000000000000000000" pitchFamily="2" charset="0"/>
               </a:rPr>
-              <a:t>And optimizations that help make both the development process and final application </a:t>
-            </a:r>
-            <a:r>
-              <a:rPr lang="en-US" dirty="0" smtClean="0">
-                <a:latin typeface="Roboto" panose="02000000000000000000" pitchFamily="2" charset="0"/>
-                <a:ea typeface="Roboto" panose="02000000000000000000" pitchFamily="2" charset="0"/>
-              </a:rPr>
-              <a:t>faster.</a:t>
-            </a:r>
-            <a:endParaRPr lang="en-US" dirty="0">
-              <a:latin typeface="Roboto" panose="02000000000000000000" pitchFamily="2" charset="0"/>
-              <a:ea typeface="Roboto" panose="02000000000000000000" pitchFamily="2" charset="0"/>
-            </a:endParaRPr>
+              <a:t>And optimizations that help make both the development process and final application faster.</a:t>
+            </a:r>
           </a:p>
         </p:txBody>
       </p:sp>
@@ -3904,7 +3843,7 @@
           <a:lstStyle/>
           <a:p>
             <a:r>
-              <a:rPr lang="en-US" sz="2400" b="1" dirty="0" smtClean="0">
+              <a:rPr lang="en-US" sz="2400" b="1" dirty="0">
                 <a:solidFill>
                   <a:srgbClr val="00B050"/>
                 </a:solidFill>
@@ -3913,13 +3852,6 @@
               </a:rPr>
               <a:t>File Folder Structure </a:t>
             </a:r>
-            <a:endParaRPr lang="en-US" sz="2400" b="1" dirty="0">
-              <a:solidFill>
-                <a:srgbClr val="00B050"/>
-              </a:solidFill>
-              <a:latin typeface="Roboto" panose="02000000000000000000" pitchFamily="2" charset="0"/>
-              <a:ea typeface="Roboto" panose="02000000000000000000" pitchFamily="2" charset="0"/>
-            </a:endParaRPr>
           </a:p>
         </p:txBody>
       </p:sp>
@@ -3963,13 +3895,6 @@
   <p:clrMapOvr>
     <a:masterClrMapping/>
   </p:clrMapOvr>
-  <p:timing>
-    <p:tnLst>
-      <p:par>
-        <p:cTn id="1" dur="indefinite" restart="never" nodeType="tmRoot"/>
-      </p:par>
-    </p:tnLst>
-  </p:timing>
 </p:sld>
 </file>
 
@@ -4027,7 +3952,7 @@
           <a:lstStyle/>
           <a:p>
             <a:r>
-              <a:rPr lang="en-US" sz="2400" b="1" dirty="0" smtClean="0">
+              <a:rPr lang="en-US" sz="2400" b="1" dirty="0">
                 <a:solidFill>
                   <a:srgbClr val="00B050"/>
                 </a:solidFill>
@@ -4036,13 +3961,6 @@
               </a:rPr>
               <a:t>Page Concepts</a:t>
             </a:r>
-            <a:endParaRPr lang="en-US" sz="2400" b="1" dirty="0">
-              <a:solidFill>
-                <a:srgbClr val="00B050"/>
-              </a:solidFill>
-              <a:latin typeface="Roboto" panose="02000000000000000000" pitchFamily="2" charset="0"/>
-              <a:ea typeface="Roboto" panose="02000000000000000000" pitchFamily="2" charset="0"/>
-            </a:endParaRPr>
           </a:p>
         </p:txBody>
       </p:sp>
@@ -4086,13 +4004,6 @@
   <p:clrMapOvr>
     <a:masterClrMapping/>
   </p:clrMapOvr>
-  <p:timing>
-    <p:tnLst>
-      <p:par>
-        <p:cTn id="1" dur="indefinite" restart="never" nodeType="tmRoot"/>
-      </p:par>
-    </p:tnLst>
-  </p:timing>
 </p:sld>
 </file>
 
@@ -4219,21 +4130,8 @@
             </a:pPr>
             <a:r>
               <a:rPr lang="en-US" sz="2000" dirty="0"/>
-              <a:t>A</a:t>
-            </a:r>
-            <a:r>
-              <a:rPr lang="en-US" sz="2000" dirty="0" smtClean="0"/>
-              <a:t>llows </a:t>
-            </a:r>
-            <a:r>
-              <a:rPr lang="en-US" sz="2000" dirty="0"/>
-              <a:t>you to do client-side navigation and accepts props that give you better control </a:t>
-            </a:r>
-            <a:r>
-              <a:rPr lang="en-US" sz="2000" dirty="0" smtClean="0"/>
-              <a:t>over.</a:t>
-            </a:r>
-            <a:endParaRPr lang="en-US" sz="2000" dirty="0"/>
+              <a:t>Allows you to do client-side navigation and accepts props that give you better control over.</a:t>
+            </a:r>
           </a:p>
         </p:txBody>
       </p:sp>
@@ -4554,25 +4452,8 @@
                 <a:latin typeface="Roboto" panose="02000000000000000000" pitchFamily="2" charset="0"/>
                 <a:ea typeface="Roboto" panose="02000000000000000000" pitchFamily="2" charset="0"/>
               </a:rPr>
-              <a:t>Link </a:t>
-            </a:r>
-            <a:r>
-              <a:rPr lang="en-US" sz="2400" b="1" dirty="0" smtClean="0">
-                <a:solidFill>
-                  <a:srgbClr val="00B050"/>
-                </a:solidFill>
-                <a:latin typeface="Roboto" panose="02000000000000000000" pitchFamily="2" charset="0"/>
-                <a:ea typeface="Roboto" panose="02000000000000000000" pitchFamily="2" charset="0"/>
-              </a:rPr>
-              <a:t>With Query </a:t>
-            </a:r>
-            <a:endParaRPr lang="en-US" sz="2400" b="1" dirty="0">
-              <a:solidFill>
-                <a:srgbClr val="00B050"/>
-              </a:solidFill>
-              <a:latin typeface="Roboto" panose="02000000000000000000" pitchFamily="2" charset="0"/>
-              <a:ea typeface="Roboto" panose="02000000000000000000" pitchFamily="2" charset="0"/>
-            </a:endParaRPr>
+              <a:t>Link With Query </a:t>
+            </a:r>
           </a:p>
         </p:txBody>
       </p:sp>
@@ -4616,13 +4497,6 @@
   <p:clrMapOvr>
     <a:masterClrMapping/>
   </p:clrMapOvr>
-  <p:timing>
-    <p:tnLst>
-      <p:par>
-        <p:cTn id="1" dur="indefinite" restart="never" nodeType="tmRoot"/>
-      </p:par>
-    </p:tnLst>
-  </p:timing>
 </p:sld>
 </file>
 
@@ -4729,12 +4603,16 @@
               <a:buChar char="•"/>
             </a:pPr>
             <a:r>
-              <a:rPr lang="en-US" dirty="0" err="1"/>
+              <a:rPr lang="en-US" b="1" dirty="0" err="1"/>
               <a:t>getInitialProps</a:t>
             </a:r>
             <a:r>
+              <a:rPr lang="en-US" b="1" dirty="0"/>
+              <a:t> </a:t>
+            </a:r>
+            <a:r>
               <a:rPr lang="en-US" dirty="0"/>
-              <a:t> enables server-side rendering in a page </a:t>
+              <a:t>enables server-side rendering in a page </a:t>
             </a:r>
           </a:p>
           <a:p>
@@ -4791,7 +4669,274 @@
   <p:timing>
     <p:tnLst>
       <p:par>
-        <p:cTn id="1" dur="indefinite" restart="never" nodeType="tmRoot"/>
+        <p:cTn id="1" dur="indefinite" restart="never" nodeType="tmRoot">
+          <p:childTnLst>
+            <p:seq concurrent="1" nextAc="seek">
+              <p:cTn id="2" dur="indefinite" nodeType="mainSeq">
+                <p:childTnLst>
+                  <p:par>
+                    <p:cTn id="3" fill="hold">
+                      <p:stCondLst>
+                        <p:cond delay="indefinite"/>
+                      </p:stCondLst>
+                      <p:childTnLst>
+                        <p:par>
+                          <p:cTn id="4" fill="hold">
+                            <p:stCondLst>
+                              <p:cond delay="0"/>
+                            </p:stCondLst>
+                            <p:childTnLst>
+                              <p:par>
+                                <p:cTn id="5" presetID="22" presetClass="entr" presetSubtype="4" fill="hold" nodeType="clickEffect">
+                                  <p:stCondLst>
+                                    <p:cond delay="0"/>
+                                  </p:stCondLst>
+                                  <p:childTnLst>
+                                    <p:set>
+                                      <p:cBhvr>
+                                        <p:cTn id="6" dur="1" fill="hold">
+                                          <p:stCondLst>
+                                            <p:cond delay="0"/>
+                                          </p:stCondLst>
+                                        </p:cTn>
+                                        <p:tgtEl>
+                                          <p:spTgt spid="3">
+                                            <p:txEl>
+                                              <p:pRg st="0" end="0"/>
+                                            </p:txEl>
+                                          </p:spTgt>
+                                        </p:tgtEl>
+                                        <p:attrNameLst>
+                                          <p:attrName>style.visibility</p:attrName>
+                                        </p:attrNameLst>
+                                      </p:cBhvr>
+                                      <p:to>
+                                        <p:strVal val="visible"/>
+                                      </p:to>
+                                    </p:set>
+                                    <p:animEffect transition="in" filter="wipe(down)">
+                                      <p:cBhvr>
+                                        <p:cTn id="7" dur="500"/>
+                                        <p:tgtEl>
+                                          <p:spTgt spid="3">
+                                            <p:txEl>
+                                              <p:pRg st="0" end="0"/>
+                                            </p:txEl>
+                                          </p:spTgt>
+                                        </p:tgtEl>
+                                      </p:cBhvr>
+                                    </p:animEffect>
+                                  </p:childTnLst>
+                                </p:cTn>
+                              </p:par>
+                            </p:childTnLst>
+                          </p:cTn>
+                        </p:par>
+                      </p:childTnLst>
+                    </p:cTn>
+                  </p:par>
+                  <p:par>
+                    <p:cTn id="8" fill="hold">
+                      <p:stCondLst>
+                        <p:cond delay="indefinite"/>
+                      </p:stCondLst>
+                      <p:childTnLst>
+                        <p:par>
+                          <p:cTn id="9" fill="hold">
+                            <p:stCondLst>
+                              <p:cond delay="0"/>
+                            </p:stCondLst>
+                            <p:childTnLst>
+                              <p:par>
+                                <p:cTn id="10" presetID="22" presetClass="entr" presetSubtype="4" fill="hold" nodeType="clickEffect">
+                                  <p:stCondLst>
+                                    <p:cond delay="0"/>
+                                  </p:stCondLst>
+                                  <p:childTnLst>
+                                    <p:set>
+                                      <p:cBhvr>
+                                        <p:cTn id="11" dur="1" fill="hold">
+                                          <p:stCondLst>
+                                            <p:cond delay="0"/>
+                                          </p:stCondLst>
+                                        </p:cTn>
+                                        <p:tgtEl>
+                                          <p:spTgt spid="3">
+                                            <p:txEl>
+                                              <p:pRg st="1" end="1"/>
+                                            </p:txEl>
+                                          </p:spTgt>
+                                        </p:tgtEl>
+                                        <p:attrNameLst>
+                                          <p:attrName>style.visibility</p:attrName>
+                                        </p:attrNameLst>
+                                      </p:cBhvr>
+                                      <p:to>
+                                        <p:strVal val="visible"/>
+                                      </p:to>
+                                    </p:set>
+                                    <p:animEffect transition="in" filter="wipe(down)">
+                                      <p:cBhvr>
+                                        <p:cTn id="12" dur="500"/>
+                                        <p:tgtEl>
+                                          <p:spTgt spid="3">
+                                            <p:txEl>
+                                              <p:pRg st="1" end="1"/>
+                                            </p:txEl>
+                                          </p:spTgt>
+                                        </p:tgtEl>
+                                      </p:cBhvr>
+                                    </p:animEffect>
+                                  </p:childTnLst>
+                                </p:cTn>
+                              </p:par>
+                            </p:childTnLst>
+                          </p:cTn>
+                        </p:par>
+                      </p:childTnLst>
+                    </p:cTn>
+                  </p:par>
+                  <p:par>
+                    <p:cTn id="13" fill="hold">
+                      <p:stCondLst>
+                        <p:cond delay="indefinite"/>
+                      </p:stCondLst>
+                      <p:childTnLst>
+                        <p:par>
+                          <p:cTn id="14" fill="hold">
+                            <p:stCondLst>
+                              <p:cond delay="0"/>
+                            </p:stCondLst>
+                            <p:childTnLst>
+                              <p:par>
+                                <p:cTn id="15" presetID="22" presetClass="entr" presetSubtype="4" fill="hold" nodeType="clickEffect">
+                                  <p:stCondLst>
+                                    <p:cond delay="0"/>
+                                  </p:stCondLst>
+                                  <p:childTnLst>
+                                    <p:set>
+                                      <p:cBhvr>
+                                        <p:cTn id="16" dur="1" fill="hold">
+                                          <p:stCondLst>
+                                            <p:cond delay="0"/>
+                                          </p:stCondLst>
+                                        </p:cTn>
+                                        <p:tgtEl>
+                                          <p:spTgt spid="3">
+                                            <p:txEl>
+                                              <p:pRg st="2" end="2"/>
+                                            </p:txEl>
+                                          </p:spTgt>
+                                        </p:tgtEl>
+                                        <p:attrNameLst>
+                                          <p:attrName>style.visibility</p:attrName>
+                                        </p:attrNameLst>
+                                      </p:cBhvr>
+                                      <p:to>
+                                        <p:strVal val="visible"/>
+                                      </p:to>
+                                    </p:set>
+                                    <p:animEffect transition="in" filter="wipe(down)">
+                                      <p:cBhvr>
+                                        <p:cTn id="17" dur="500"/>
+                                        <p:tgtEl>
+                                          <p:spTgt spid="3">
+                                            <p:txEl>
+                                              <p:pRg st="2" end="2"/>
+                                            </p:txEl>
+                                          </p:spTgt>
+                                        </p:tgtEl>
+                                      </p:cBhvr>
+                                    </p:animEffect>
+                                  </p:childTnLst>
+                                </p:cTn>
+                              </p:par>
+                            </p:childTnLst>
+                          </p:cTn>
+                        </p:par>
+                      </p:childTnLst>
+                    </p:cTn>
+                  </p:par>
+                  <p:par>
+                    <p:cTn id="18" fill="hold">
+                      <p:stCondLst>
+                        <p:cond delay="indefinite"/>
+                      </p:stCondLst>
+                      <p:childTnLst>
+                        <p:par>
+                          <p:cTn id="19" fill="hold">
+                            <p:stCondLst>
+                              <p:cond delay="0"/>
+                            </p:stCondLst>
+                            <p:childTnLst>
+                              <p:par>
+                                <p:cTn id="20" presetID="22" presetClass="entr" presetSubtype="4" fill="hold" nodeType="clickEffect">
+                                  <p:stCondLst>
+                                    <p:cond delay="0"/>
+                                  </p:stCondLst>
+                                  <p:childTnLst>
+                                    <p:set>
+                                      <p:cBhvr>
+                                        <p:cTn id="21" dur="1" fill="hold">
+                                          <p:stCondLst>
+                                            <p:cond delay="0"/>
+                                          </p:stCondLst>
+                                        </p:cTn>
+                                        <p:tgtEl>
+                                          <p:spTgt spid="3">
+                                            <p:txEl>
+                                              <p:pRg st="3" end="3"/>
+                                            </p:txEl>
+                                          </p:spTgt>
+                                        </p:tgtEl>
+                                        <p:attrNameLst>
+                                          <p:attrName>style.visibility</p:attrName>
+                                        </p:attrNameLst>
+                                      </p:cBhvr>
+                                      <p:to>
+                                        <p:strVal val="visible"/>
+                                      </p:to>
+                                    </p:set>
+                                    <p:animEffect transition="in" filter="wipe(down)">
+                                      <p:cBhvr>
+                                        <p:cTn id="22" dur="500"/>
+                                        <p:tgtEl>
+                                          <p:spTgt spid="3">
+                                            <p:txEl>
+                                              <p:pRg st="3" end="3"/>
+                                            </p:txEl>
+                                          </p:spTgt>
+                                        </p:tgtEl>
+                                      </p:cBhvr>
+                                    </p:animEffect>
+                                  </p:childTnLst>
+                                </p:cTn>
+                              </p:par>
+                            </p:childTnLst>
+                          </p:cTn>
+                        </p:par>
+                      </p:childTnLst>
+                    </p:cTn>
+                  </p:par>
+                </p:childTnLst>
+              </p:cTn>
+              <p:prevCondLst>
+                <p:cond evt="onPrev" delay="0">
+                  <p:tgtEl>
+                    <p:sldTgt/>
+                  </p:tgtEl>
+                </p:cond>
+              </p:prevCondLst>
+              <p:nextCondLst>
+                <p:cond evt="onNext" delay="0">
+                  <p:tgtEl>
+                    <p:sldTgt/>
+                  </p:tgtEl>
+                </p:cond>
+              </p:nextCondLst>
+            </p:seq>
+          </p:childTnLst>
+        </p:cTn>
       </p:par>
     </p:tnLst>
   </p:timing>
@@ -4910,13 +5055,6 @@
   <p:clrMapOvr>
     <a:masterClrMapping/>
   </p:clrMapOvr>
-  <p:timing>
-    <p:tnLst>
-      <p:par>
-        <p:cTn id="1" dur="indefinite" restart="never" nodeType="tmRoot"/>
-      </p:par>
-    </p:tnLst>
-  </p:timing>
 </p:sld>
 </file>
 
@@ -4974,7 +5112,7 @@
           <a:lstStyle/>
           <a:p>
             <a:r>
-              <a:rPr lang="en-US" sz="2400" b="1" dirty="0" err="1" smtClean="0">
+              <a:rPr lang="en-US" sz="2400" b="1" dirty="0" err="1">
                 <a:solidFill>
                   <a:srgbClr val="00B050"/>
                 </a:solidFill>
@@ -4984,7 +5122,7 @@
               <a:t>getInitialProps</a:t>
             </a:r>
             <a:r>
-              <a:rPr lang="en-US" sz="2400" b="1" dirty="0" smtClean="0">
+              <a:rPr lang="en-US" sz="2400" b="1" dirty="0">
                 <a:solidFill>
                   <a:srgbClr val="00B050"/>
                 </a:solidFill>
@@ -4993,13 +5131,6 @@
               </a:rPr>
               <a:t> SEO</a:t>
             </a:r>
-            <a:endParaRPr lang="en-US" sz="2400" b="1" dirty="0">
-              <a:solidFill>
-                <a:srgbClr val="00B050"/>
-              </a:solidFill>
-              <a:latin typeface="Roboto" panose="02000000000000000000" pitchFamily="2" charset="0"/>
-              <a:ea typeface="Roboto" panose="02000000000000000000" pitchFamily="2" charset="0"/>
-            </a:endParaRPr>
           </a:p>
         </p:txBody>
       </p:sp>
@@ -5042,13 +5173,6 @@
   <p:clrMapOvr>
     <a:masterClrMapping/>
   </p:clrMapOvr>
-  <p:timing>
-    <p:tnLst>
-      <p:par>
-        <p:cTn id="1" dur="indefinite" restart="never" nodeType="tmRoot"/>
-      </p:par>
-    </p:tnLst>
-  </p:timing>
 </p:sld>
 </file>
 
@@ -5091,7 +5215,7 @@
         </p:nvSpPr>
         <p:spPr>
           <a:xfrm>
-            <a:off x="509799" y="136214"/>
+            <a:off x="105198" y="136214"/>
             <a:ext cx="4839036" cy="461665"/>
           </a:xfrm>
           <a:prstGeom prst="rect">
@@ -5106,52 +5230,58 @@
           <a:lstStyle/>
           <a:p>
             <a:r>
-              <a:rPr lang="en-US" sz="2400" b="1" dirty="0" err="1" smtClean="0">
+              <a:rPr lang="en-US" sz="2400" b="1" dirty="0">
                 <a:solidFill>
                   <a:srgbClr val="00B050"/>
                 </a:solidFill>
                 <a:latin typeface="Roboto" panose="02000000000000000000" pitchFamily="2" charset="0"/>
                 <a:ea typeface="Roboto" panose="02000000000000000000" pitchFamily="2" charset="0"/>
               </a:rPr>
-              <a:t>getInitialProps</a:t>
-            </a:r>
-            <a:r>
-              <a:rPr lang="en-US" sz="2400" b="1" dirty="0" smtClean="0">
-                <a:solidFill>
-                  <a:srgbClr val="00B050"/>
-                </a:solidFill>
-                <a:latin typeface="Roboto" panose="02000000000000000000" pitchFamily="2" charset="0"/>
-                <a:ea typeface="Roboto" panose="02000000000000000000" pitchFamily="2" charset="0"/>
-              </a:rPr>
-              <a:t> SEO</a:t>
-            </a:r>
-            <a:endParaRPr lang="en-US" sz="2400" b="1" dirty="0">
-              <a:solidFill>
-                <a:srgbClr val="00B050"/>
-              </a:solidFill>
-              <a:latin typeface="Roboto" panose="02000000000000000000" pitchFamily="2" charset="0"/>
-              <a:ea typeface="Roboto" panose="02000000000000000000" pitchFamily="2" charset="0"/>
-            </a:endParaRPr>
-          </a:p>
-        </p:txBody>
-      </p:sp>
+              <a:t> Static files</a:t>
+            </a:r>
+          </a:p>
+        </p:txBody>
+      </p:sp>
+      <p:pic>
+        <p:nvPicPr>
+          <p:cNvPr id="3" name="Picture 2"/>
+          <p:cNvPicPr>
+            <a:picLocks noChangeAspect="1"/>
+          </p:cNvPicPr>
+          <p:nvPr/>
+        </p:nvPicPr>
+        <p:blipFill>
+          <a:blip r:embed="rId3">
+            <a:extLst>
+              <a:ext uri="{28A0092B-C50C-407E-A947-70E740481C1C}">
+                <a14:useLocalDpi xmlns:a14="http://schemas.microsoft.com/office/drawing/2010/main" val="0"/>
+              </a:ext>
+            </a:extLst>
+          </a:blip>
+          <a:stretch>
+            <a:fillRect/>
+          </a:stretch>
+        </p:blipFill>
+        <p:spPr>
+          <a:xfrm>
+            <a:off x="0" y="745898"/>
+            <a:ext cx="12192000" cy="5783253"/>
+          </a:xfrm>
+          <a:prstGeom prst="rect">
+            <a:avLst/>
+          </a:prstGeom>
+        </p:spPr>
+      </p:pic>
     </p:spTree>
     <p:extLst>
       <p:ext uri="{BB962C8B-B14F-4D97-AF65-F5344CB8AC3E}">
-        <p14:creationId xmlns:p14="http://schemas.microsoft.com/office/powerpoint/2010/main" val="884024399"/>
+        <p14:creationId xmlns:p14="http://schemas.microsoft.com/office/powerpoint/2010/main" val="597745441"/>
       </p:ext>
     </p:extLst>
   </p:cSld>
   <p:clrMapOvr>
     <a:masterClrMapping/>
   </p:clrMapOvr>
-  <p:timing>
-    <p:tnLst>
-      <p:par>
-        <p:cTn id="1" dur="indefinite" restart="never" nodeType="tmRoot"/>
-      </p:par>
-    </p:tnLst>
-  </p:timing>
 </p:sld>
 </file>
 
@@ -5194,7 +5324,7 @@
         </p:nvSpPr>
         <p:spPr>
           <a:xfrm>
-            <a:off x="202301" y="120029"/>
+            <a:off x="210394" y="128122"/>
             <a:ext cx="4839036" cy="461665"/>
           </a:xfrm>
           <a:prstGeom prst="rect">
@@ -5208,16 +5338,6 @@
           </a:bodyPr>
           <a:lstStyle/>
           <a:p>
-            <a:r>
-              <a:rPr lang="en-US" sz="2400" b="1" dirty="0" smtClean="0">
-                <a:solidFill>
-                  <a:srgbClr val="00B050"/>
-                </a:solidFill>
-                <a:latin typeface="Roboto" panose="02000000000000000000" pitchFamily="2" charset="0"/>
-                <a:ea typeface="Roboto" panose="02000000000000000000" pitchFamily="2" charset="0"/>
-              </a:rPr>
-              <a:t>Working </a:t>
-            </a:r>
             <a:r>
               <a:rPr lang="en-US" sz="2400" b="1" dirty="0">
                 <a:solidFill>
@@ -5226,25 +5346,8 @@
                 <a:latin typeface="Roboto" panose="02000000000000000000" pitchFamily="2" charset="0"/>
                 <a:ea typeface="Roboto" panose="02000000000000000000" pitchFamily="2" charset="0"/>
               </a:rPr>
-              <a:t>with </a:t>
-            </a:r>
-            <a:r>
-              <a:rPr lang="en-US" sz="2400" b="1" dirty="0" smtClean="0">
-                <a:solidFill>
-                  <a:srgbClr val="00B050"/>
-                </a:solidFill>
-                <a:latin typeface="Roboto" panose="02000000000000000000" pitchFamily="2" charset="0"/>
-                <a:ea typeface="Roboto" panose="02000000000000000000" pitchFamily="2" charset="0"/>
-              </a:rPr>
-              <a:t>Component</a:t>
-            </a:r>
-            <a:endParaRPr lang="en-US" sz="2400" b="1" dirty="0">
-              <a:solidFill>
-                <a:srgbClr val="00B050"/>
-              </a:solidFill>
-              <a:latin typeface="Roboto" panose="02000000000000000000" pitchFamily="2" charset="0"/>
-              <a:ea typeface="Roboto" panose="02000000000000000000" pitchFamily="2" charset="0"/>
-            </a:endParaRPr>
+              <a:t> Global Style</a:t>
+            </a:r>
           </a:p>
         </p:txBody>
       </p:sp>
@@ -5270,8 +5373,8 @@
         </p:blipFill>
         <p:spPr>
           <a:xfrm>
-            <a:off x="0" y="748570"/>
-            <a:ext cx="8784678" cy="6109430"/>
+            <a:off x="0" y="727682"/>
+            <a:ext cx="12192000" cy="4868562"/>
           </a:xfrm>
           <a:prstGeom prst="rect">
             <a:avLst/>
@@ -5281,20 +5384,13 @@
     </p:spTree>
     <p:extLst>
       <p:ext uri="{BB962C8B-B14F-4D97-AF65-F5344CB8AC3E}">
-        <p14:creationId xmlns:p14="http://schemas.microsoft.com/office/powerpoint/2010/main" val="373407082"/>
+        <p14:creationId xmlns:p14="http://schemas.microsoft.com/office/powerpoint/2010/main" val="1578605585"/>
       </p:ext>
     </p:extLst>
   </p:cSld>
   <p:clrMapOvr>
     <a:masterClrMapping/>
   </p:clrMapOvr>
-  <p:timing>
-    <p:tnLst>
-      <p:par>
-        <p:cTn id="1" dur="indefinite" restart="never" nodeType="tmRoot"/>
-      </p:par>
-    </p:tnLst>
-  </p:timing>
 </p:sld>
 </file>
 
@@ -5337,7 +5433,7 @@
         </p:nvSpPr>
         <p:spPr>
           <a:xfrm>
-            <a:off x="105198" y="136214"/>
+            <a:off x="210394" y="128122"/>
             <a:ext cx="4839036" cy="461665"/>
           </a:xfrm>
           <a:prstGeom prst="rect">
@@ -5359,34 +5455,14 @@
                 <a:latin typeface="Roboto" panose="02000000000000000000" pitchFamily="2" charset="0"/>
                 <a:ea typeface="Roboto" panose="02000000000000000000" pitchFamily="2" charset="0"/>
               </a:rPr>
-              <a:t> </a:t>
-            </a:r>
-            <a:r>
-              <a:rPr lang="en-US" sz="2400" b="1" dirty="0" smtClean="0">
-                <a:solidFill>
-                  <a:srgbClr val="00B050"/>
-                </a:solidFill>
-                <a:latin typeface="Roboto" panose="02000000000000000000" pitchFamily="2" charset="0"/>
-                <a:ea typeface="Roboto" panose="02000000000000000000" pitchFamily="2" charset="0"/>
-              </a:rPr>
-              <a:t>Static </a:t>
-            </a:r>
-            <a:r>
-              <a:rPr lang="en-US" sz="2400" b="1" dirty="0">
-                <a:solidFill>
-                  <a:srgbClr val="00B050"/>
-                </a:solidFill>
-                <a:latin typeface="Roboto" panose="02000000000000000000" pitchFamily="2" charset="0"/>
-                <a:ea typeface="Roboto" panose="02000000000000000000" pitchFamily="2" charset="0"/>
-              </a:rPr>
-              <a:t>files</a:t>
+              <a:t> Global Style</a:t>
             </a:r>
           </a:p>
         </p:txBody>
       </p:sp>
       <p:pic>
         <p:nvPicPr>
-          <p:cNvPr id="3" name="Picture 2"/>
+          <p:cNvPr id="5" name="Picture 4"/>
           <p:cNvPicPr>
             <a:picLocks noChangeAspect="1"/>
           </p:cNvPicPr>
@@ -5406,8 +5482,8 @@
         </p:blipFill>
         <p:spPr>
           <a:xfrm>
-            <a:off x="0" y="745898"/>
-            <a:ext cx="12192000" cy="5783253"/>
+            <a:off x="-1" y="696740"/>
+            <a:ext cx="12228543" cy="4352690"/>
           </a:xfrm>
           <a:prstGeom prst="rect">
             <a:avLst/>
@@ -5417,20 +5493,13 @@
     </p:spTree>
     <p:extLst>
       <p:ext uri="{BB962C8B-B14F-4D97-AF65-F5344CB8AC3E}">
-        <p14:creationId xmlns:p14="http://schemas.microsoft.com/office/powerpoint/2010/main" val="597745441"/>
+        <p14:creationId xmlns:p14="http://schemas.microsoft.com/office/powerpoint/2010/main" val="3861272063"/>
       </p:ext>
     </p:extLst>
   </p:cSld>
   <p:clrMapOvr>
     <a:masterClrMapping/>
   </p:clrMapOvr>
-  <p:timing>
-    <p:tnLst>
-      <p:par>
-        <p:cTn id="1" dur="indefinite" restart="never" nodeType="tmRoot"/>
-      </p:par>
-    </p:tnLst>
-  </p:timing>
 </p:sld>
 </file>
 
@@ -5488,7 +5557,7 @@
           <a:lstStyle/>
           <a:p>
             <a:r>
-              <a:rPr lang="en-US" sz="2400" b="1" dirty="0" smtClean="0">
+              <a:rPr lang="en-US" sz="2400" b="1" dirty="0">
                 <a:solidFill>
                   <a:srgbClr val="00B050"/>
                 </a:solidFill>
@@ -5497,13 +5566,6 @@
               </a:rPr>
               <a:t>Developer Code &amp; Compiled Code</a:t>
             </a:r>
-            <a:endParaRPr lang="en-US" sz="2400" b="1" dirty="0">
-              <a:solidFill>
-                <a:srgbClr val="00B050"/>
-              </a:solidFill>
-              <a:latin typeface="Roboto" panose="02000000000000000000" pitchFamily="2" charset="0"/>
-              <a:ea typeface="Roboto" panose="02000000000000000000" pitchFamily="2" charset="0"/>
-            </a:endParaRPr>
           </a:p>
         </p:txBody>
       </p:sp>
@@ -5547,13 +5609,6 @@
   <p:clrMapOvr>
     <a:masterClrMapping/>
   </p:clrMapOvr>
-  <p:timing>
-    <p:tnLst>
-      <p:par>
-        <p:cTn id="1" dur="indefinite" restart="never" nodeType="tmRoot"/>
-      </p:par>
-    </p:tnLst>
-  </p:timing>
 </p:sld>
 </file>
 
@@ -5618,28 +5673,45 @@
                 <a:latin typeface="Roboto" panose="02000000000000000000" pitchFamily="2" charset="0"/>
                 <a:ea typeface="Roboto" panose="02000000000000000000" pitchFamily="2" charset="0"/>
               </a:rPr>
-              <a:t> </a:t>
-            </a:r>
-            <a:r>
-              <a:rPr lang="en-US" sz="2400" b="1" dirty="0" smtClean="0">
-                <a:solidFill>
-                  <a:srgbClr val="00B050"/>
-                </a:solidFill>
-                <a:latin typeface="Roboto" panose="02000000000000000000" pitchFamily="2" charset="0"/>
-                <a:ea typeface="Roboto" panose="02000000000000000000" pitchFamily="2" charset="0"/>
-              </a:rPr>
-              <a:t>Global Style</a:t>
-            </a:r>
-            <a:endParaRPr lang="en-US" sz="2400" b="1" dirty="0">
-              <a:solidFill>
-                <a:srgbClr val="00B050"/>
-              </a:solidFill>
-              <a:latin typeface="Roboto" panose="02000000000000000000" pitchFamily="2" charset="0"/>
-              <a:ea typeface="Roboto" panose="02000000000000000000" pitchFamily="2" charset="0"/>
-            </a:endParaRPr>
-          </a:p>
-        </p:txBody>
-      </p:sp>
+              <a:t> Component-Level CSS</a:t>
+            </a:r>
+          </a:p>
+        </p:txBody>
+      </p:sp>
+      <p:pic>
+        <p:nvPicPr>
+          <p:cNvPr id="3" name="Picture 2"/>
+          <p:cNvPicPr>
+            <a:picLocks noChangeAspect="1"/>
+          </p:cNvPicPr>
+          <p:nvPr/>
+        </p:nvPicPr>
+        <p:blipFill rotWithShape="1">
+          <a:blip r:embed="rId3">
+            <a:extLst>
+              <a:ext uri="{28A0092B-C50C-407E-A947-70E740481C1C}">
+                <a14:useLocalDpi xmlns:a14="http://schemas.microsoft.com/office/drawing/2010/main" val="0"/>
+              </a:ext>
+            </a:extLst>
+          </a:blip>
+          <a:srcRect r="4865"/>
+          <a:stretch/>
+        </p:blipFill>
+        <p:spPr>
+          <a:xfrm>
+            <a:off x="21253" y="733015"/>
+            <a:ext cx="5028177" cy="4607728"/>
+          </a:xfrm>
+          <a:prstGeom prst="rect">
+            <a:avLst/>
+          </a:prstGeom>
+          <a:ln w="6350">
+            <a:solidFill>
+              <a:schemeClr val="tx1"/>
+            </a:solidFill>
+          </a:ln>
+        </p:spPr>
+      </p:pic>
       <p:pic>
         <p:nvPicPr>
           <p:cNvPr id="4" name="Picture 3"/>
@@ -5648,45 +5720,42 @@
           </p:cNvPicPr>
           <p:nvPr/>
         </p:nvPicPr>
-        <p:blipFill>
-          <a:blip r:embed="rId3">
+        <p:blipFill rotWithShape="1">
+          <a:blip r:embed="rId4">
             <a:extLst>
               <a:ext uri="{28A0092B-C50C-407E-A947-70E740481C1C}">
                 <a14:useLocalDpi xmlns:a14="http://schemas.microsoft.com/office/drawing/2010/main" val="0"/>
               </a:ext>
             </a:extLst>
           </a:blip>
-          <a:stretch>
-            <a:fillRect/>
-          </a:stretch>
+          <a:srcRect l="6458" t="6054"/>
+          <a:stretch/>
         </p:blipFill>
         <p:spPr>
           <a:xfrm>
-            <a:off x="0" y="727682"/>
-            <a:ext cx="12192000" cy="4868562"/>
+            <a:off x="5138442" y="733015"/>
+            <a:ext cx="6681324" cy="3611656"/>
           </a:xfrm>
           <a:prstGeom prst="rect">
             <a:avLst/>
           </a:prstGeom>
+          <a:ln w="3175">
+            <a:solidFill>
+              <a:schemeClr val="tx1"/>
+            </a:solidFill>
+          </a:ln>
         </p:spPr>
       </p:pic>
     </p:spTree>
     <p:extLst>
       <p:ext uri="{BB962C8B-B14F-4D97-AF65-F5344CB8AC3E}">
-        <p14:creationId xmlns:p14="http://schemas.microsoft.com/office/powerpoint/2010/main" val="1578605585"/>
+        <p14:creationId xmlns:p14="http://schemas.microsoft.com/office/powerpoint/2010/main" val="46223762"/>
       </p:ext>
     </p:extLst>
   </p:cSld>
   <p:clrMapOvr>
     <a:masterClrMapping/>
   </p:clrMapOvr>
-  <p:timing>
-    <p:tnLst>
-      <p:par>
-        <p:cTn id="1" dur="indefinite" restart="never" nodeType="tmRoot"/>
-      </p:par>
-    </p:tnLst>
-  </p:timing>
 </p:sld>
 </file>
 
@@ -5751,38 +5820,55 @@
                 <a:latin typeface="Roboto" panose="02000000000000000000" pitchFamily="2" charset="0"/>
                 <a:ea typeface="Roboto" panose="02000000000000000000" pitchFamily="2" charset="0"/>
               </a:rPr>
-              <a:t> </a:t>
-            </a:r>
-            <a:r>
-              <a:rPr lang="en-US" sz="2400" b="1" dirty="0" smtClean="0">
-                <a:solidFill>
-                  <a:srgbClr val="00B050"/>
-                </a:solidFill>
-                <a:latin typeface="Roboto" panose="02000000000000000000" pitchFamily="2" charset="0"/>
-                <a:ea typeface="Roboto" panose="02000000000000000000" pitchFamily="2" charset="0"/>
-              </a:rPr>
-              <a:t>Global Style</a:t>
-            </a:r>
-            <a:endParaRPr lang="en-US" sz="2400" b="1" dirty="0">
-              <a:solidFill>
-                <a:srgbClr val="00B050"/>
-              </a:solidFill>
-              <a:latin typeface="Roboto" panose="02000000000000000000" pitchFamily="2" charset="0"/>
-              <a:ea typeface="Roboto" panose="02000000000000000000" pitchFamily="2" charset="0"/>
-            </a:endParaRPr>
+              <a:t> Environment Variables</a:t>
+            </a:r>
           </a:p>
         </p:txBody>
       </p:sp>
       <p:pic>
         <p:nvPicPr>
-          <p:cNvPr id="5" name="Picture 4"/>
+          <p:cNvPr id="3" name="Picture 2"/>
+          <p:cNvPicPr>
+            <a:picLocks noChangeAspect="1"/>
+          </p:cNvPicPr>
+          <p:nvPr/>
+        </p:nvPicPr>
+        <p:blipFill rotWithShape="1">
+          <a:blip r:embed="rId3">
+            <a:extLst>
+              <a:ext uri="{28A0092B-C50C-407E-A947-70E740481C1C}">
+                <a14:useLocalDpi xmlns:a14="http://schemas.microsoft.com/office/drawing/2010/main" val="0"/>
+              </a:ext>
+            </a:extLst>
+          </a:blip>
+          <a:srcRect l="31757"/>
+          <a:stretch/>
+        </p:blipFill>
+        <p:spPr>
+          <a:xfrm>
+            <a:off x="210394" y="844477"/>
+            <a:ext cx="4312468" cy="5184090"/>
+          </a:xfrm>
+          <a:prstGeom prst="rect">
+            <a:avLst/>
+          </a:prstGeom>
+          <a:ln w="3175">
+            <a:solidFill>
+              <a:schemeClr val="tx1"/>
+            </a:solidFill>
+          </a:ln>
+        </p:spPr>
+      </p:pic>
+      <p:pic>
+        <p:nvPicPr>
+          <p:cNvPr id="4" name="Picture 3"/>
           <p:cNvPicPr>
             <a:picLocks noChangeAspect="1"/>
           </p:cNvPicPr>
           <p:nvPr/>
         </p:nvPicPr>
         <p:blipFill>
-          <a:blip r:embed="rId3">
+          <a:blip r:embed="rId4">
             <a:extLst>
               <a:ext uri="{28A0092B-C50C-407E-A947-70E740481C1C}">
                 <a14:useLocalDpi xmlns:a14="http://schemas.microsoft.com/office/drawing/2010/main" val="0"/>
@@ -5795,31 +5881,29 @@
         </p:blipFill>
         <p:spPr>
           <a:xfrm>
-            <a:off x="-1" y="696740"/>
-            <a:ext cx="12228543" cy="4352690"/>
+            <a:off x="4688140" y="844477"/>
+            <a:ext cx="5761219" cy="3871295"/>
           </a:xfrm>
           <a:prstGeom prst="rect">
             <a:avLst/>
           </a:prstGeom>
+          <a:ln>
+            <a:solidFill>
+              <a:schemeClr val="accent1"/>
+            </a:solidFill>
+          </a:ln>
         </p:spPr>
       </p:pic>
     </p:spTree>
     <p:extLst>
       <p:ext uri="{BB962C8B-B14F-4D97-AF65-F5344CB8AC3E}">
-        <p14:creationId xmlns:p14="http://schemas.microsoft.com/office/powerpoint/2010/main" val="3861272063"/>
+        <p14:creationId xmlns:p14="http://schemas.microsoft.com/office/powerpoint/2010/main" val="2004873459"/>
       </p:ext>
     </p:extLst>
   </p:cSld>
   <p:clrMapOvr>
     <a:masterClrMapping/>
   </p:clrMapOvr>
-  <p:timing>
-    <p:tnLst>
-      <p:par>
-        <p:cTn id="1" dur="indefinite" restart="never" nodeType="tmRoot"/>
-      </p:par>
-    </p:tnLst>
-  </p:timing>
 </p:sld>
 </file>
 
@@ -5884,45 +5968,51 @@
                 <a:latin typeface="Roboto" panose="02000000000000000000" pitchFamily="2" charset="0"/>
                 <a:ea typeface="Roboto" panose="02000000000000000000" pitchFamily="2" charset="0"/>
               </a:rPr>
-              <a:t> </a:t>
-            </a:r>
-            <a:r>
-              <a:rPr lang="en-US" sz="2400" b="1" dirty="0" smtClean="0">
-                <a:solidFill>
-                  <a:srgbClr val="00B050"/>
-                </a:solidFill>
-                <a:latin typeface="Roboto" panose="02000000000000000000" pitchFamily="2" charset="0"/>
-                <a:ea typeface="Roboto" panose="02000000000000000000" pitchFamily="2" charset="0"/>
-              </a:rPr>
-              <a:t>X</a:t>
-            </a:r>
-            <a:endParaRPr lang="en-US" sz="2400" b="1" dirty="0">
-              <a:solidFill>
-                <a:srgbClr val="00B050"/>
-              </a:solidFill>
-              <a:latin typeface="Roboto" panose="02000000000000000000" pitchFamily="2" charset="0"/>
-              <a:ea typeface="Roboto" panose="02000000000000000000" pitchFamily="2" charset="0"/>
-            </a:endParaRPr>
-          </a:p>
-        </p:txBody>
-      </p:sp>
+              <a:t> Next router</a:t>
+            </a:r>
+          </a:p>
+        </p:txBody>
+      </p:sp>
+      <p:pic>
+        <p:nvPicPr>
+          <p:cNvPr id="4" name="Picture 3"/>
+          <p:cNvPicPr>
+            <a:picLocks noChangeAspect="1"/>
+          </p:cNvPicPr>
+          <p:nvPr/>
+        </p:nvPicPr>
+        <p:blipFill>
+          <a:blip r:embed="rId3">
+            <a:extLst>
+              <a:ext uri="{28A0092B-C50C-407E-A947-70E740481C1C}">
+                <a14:useLocalDpi xmlns:a14="http://schemas.microsoft.com/office/drawing/2010/main" val="0"/>
+              </a:ext>
+            </a:extLst>
+          </a:blip>
+          <a:stretch>
+            <a:fillRect/>
+          </a:stretch>
+        </p:blipFill>
+        <p:spPr>
+          <a:xfrm>
+            <a:off x="0" y="722527"/>
+            <a:ext cx="8885690" cy="6027942"/>
+          </a:xfrm>
+          <a:prstGeom prst="rect">
+            <a:avLst/>
+          </a:prstGeom>
+        </p:spPr>
+      </p:pic>
     </p:spTree>
     <p:extLst>
       <p:ext uri="{BB962C8B-B14F-4D97-AF65-F5344CB8AC3E}">
-        <p14:creationId xmlns:p14="http://schemas.microsoft.com/office/powerpoint/2010/main" val="1926019576"/>
+        <p14:creationId xmlns:p14="http://schemas.microsoft.com/office/powerpoint/2010/main" val="875645412"/>
       </p:ext>
     </p:extLst>
   </p:cSld>
   <p:clrMapOvr>
     <a:masterClrMapping/>
   </p:clrMapOvr>
-  <p:timing>
-    <p:tnLst>
-      <p:par>
-        <p:cTn id="1" dur="indefinite" restart="never" nodeType="tmRoot"/>
-      </p:par>
-    </p:tnLst>
-  </p:timing>
 </p:sld>
 </file>
 
@@ -5987,7 +6077,7 @@
                 <a:latin typeface="Roboto" panose="02000000000000000000" pitchFamily="2" charset="0"/>
                 <a:ea typeface="Roboto" panose="02000000000000000000" pitchFamily="2" charset="0"/>
               </a:rPr>
-              <a:t> Component-Level CSS</a:t>
+              <a:t> Next router</a:t>
             </a:r>
           </a:p>
         </p:txBody>
@@ -6000,7 +6090,7 @@
           </p:cNvPicPr>
           <p:nvPr/>
         </p:nvPicPr>
-        <p:blipFill rotWithShape="1">
+        <p:blipFill>
           <a:blip r:embed="rId3">
             <a:extLst>
               <a:ext uri="{28A0092B-C50C-407E-A947-70E740481C1C}">
@@ -6008,75 +6098,30 @@
               </a:ext>
             </a:extLst>
           </a:blip>
-          <a:srcRect r="4865"/>
-          <a:stretch/>
+          <a:stretch>
+            <a:fillRect/>
+          </a:stretch>
         </p:blipFill>
         <p:spPr>
           <a:xfrm>
-            <a:off x="21253" y="733015"/>
-            <a:ext cx="5028177" cy="4607728"/>
+            <a:off x="0" y="717694"/>
+            <a:ext cx="9079264" cy="6157719"/>
           </a:xfrm>
           <a:prstGeom prst="rect">
             <a:avLst/>
           </a:prstGeom>
-          <a:ln w="6350">
-            <a:solidFill>
-              <a:schemeClr val="tx1"/>
-            </a:solidFill>
-          </a:ln>
-        </p:spPr>
-      </p:pic>
-      <p:pic>
-        <p:nvPicPr>
-          <p:cNvPr id="4" name="Picture 3"/>
-          <p:cNvPicPr>
-            <a:picLocks noChangeAspect="1"/>
-          </p:cNvPicPr>
-          <p:nvPr/>
-        </p:nvPicPr>
-        <p:blipFill rotWithShape="1">
-          <a:blip r:embed="rId4">
-            <a:extLst>
-              <a:ext uri="{28A0092B-C50C-407E-A947-70E740481C1C}">
-                <a14:useLocalDpi xmlns:a14="http://schemas.microsoft.com/office/drawing/2010/main" val="0"/>
-              </a:ext>
-            </a:extLst>
-          </a:blip>
-          <a:srcRect l="6458" t="6054"/>
-          <a:stretch/>
-        </p:blipFill>
-        <p:spPr>
-          <a:xfrm>
-            <a:off x="5138442" y="733015"/>
-            <a:ext cx="6681324" cy="3611656"/>
-          </a:xfrm>
-          <a:prstGeom prst="rect">
-            <a:avLst/>
-          </a:prstGeom>
-          <a:ln w="3175">
-            <a:solidFill>
-              <a:schemeClr val="tx1"/>
-            </a:solidFill>
-          </a:ln>
         </p:spPr>
       </p:pic>
     </p:spTree>
     <p:extLst>
       <p:ext uri="{BB962C8B-B14F-4D97-AF65-F5344CB8AC3E}">
-        <p14:creationId xmlns:p14="http://schemas.microsoft.com/office/powerpoint/2010/main" val="46223762"/>
+        <p14:creationId xmlns:p14="http://schemas.microsoft.com/office/powerpoint/2010/main" val="2929105039"/>
       </p:ext>
     </p:extLst>
   </p:cSld>
   <p:clrMapOvr>
     <a:masterClrMapping/>
   </p:clrMapOvr>
-  <p:timing>
-    <p:tnLst>
-      <p:par>
-        <p:cTn id="1" dur="indefinite" restart="never" nodeType="tmRoot"/>
-      </p:par>
-    </p:tnLst>
-  </p:timing>
 </p:sld>
 </file>
 
@@ -6141,29 +6186,35 @@
                 <a:latin typeface="Roboto" panose="02000000000000000000" pitchFamily="2" charset="0"/>
                 <a:ea typeface="Roboto" panose="02000000000000000000" pitchFamily="2" charset="0"/>
               </a:rPr>
-              <a:t> Layouts</a:t>
+              <a:t> Next router</a:t>
             </a:r>
           </a:p>
         </p:txBody>
       </p:sp>
       <p:pic>
         <p:nvPicPr>
-          <p:cNvPr id="3" name="Picture 2"/>
+          <p:cNvPr id="4" name="Picture 3"/>
           <p:cNvPicPr>
             <a:picLocks noChangeAspect="1"/>
           </p:cNvPicPr>
           <p:nvPr/>
         </p:nvPicPr>
         <p:blipFill>
-          <a:blip r:embed="rId3"/>
+          <a:blip r:embed="rId3">
+            <a:extLst>
+              <a:ext uri="{28A0092B-C50C-407E-A947-70E740481C1C}">
+                <a14:useLocalDpi xmlns:a14="http://schemas.microsoft.com/office/drawing/2010/main" val="0"/>
+              </a:ext>
+            </a:extLst>
+          </a:blip>
           <a:stretch>
             <a:fillRect/>
           </a:stretch>
         </p:blipFill>
         <p:spPr>
           <a:xfrm>
-            <a:off x="0" y="741896"/>
-            <a:ext cx="10068826" cy="6116104"/>
+            <a:off x="0" y="737978"/>
+            <a:ext cx="9396885" cy="6120022"/>
           </a:xfrm>
           <a:prstGeom prst="rect">
             <a:avLst/>
@@ -6173,20 +6224,13 @@
     </p:spTree>
     <p:extLst>
       <p:ext uri="{BB962C8B-B14F-4D97-AF65-F5344CB8AC3E}">
-        <p14:creationId xmlns:p14="http://schemas.microsoft.com/office/powerpoint/2010/main" val="1768625918"/>
+        <p14:creationId xmlns:p14="http://schemas.microsoft.com/office/powerpoint/2010/main" val="3333655860"/>
       </p:ext>
     </p:extLst>
   </p:cSld>
   <p:clrMapOvr>
     <a:masterClrMapping/>
   </p:clrMapOvr>
-  <p:timing>
-    <p:tnLst>
-      <p:par>
-        <p:cTn id="1" dur="indefinite" restart="never" nodeType="tmRoot"/>
-      </p:par>
-    </p:tnLst>
-  </p:timing>
 </p:sld>
 </file>
 
@@ -6251,7 +6295,7 @@
                 <a:latin typeface="Roboto" panose="02000000000000000000" pitchFamily="2" charset="0"/>
                 <a:ea typeface="Roboto" panose="02000000000000000000" pitchFamily="2" charset="0"/>
               </a:rPr>
-              <a:t> Environment Variables</a:t>
+              <a:t> Next router</a:t>
             </a:r>
           </a:p>
         </p:txBody>
@@ -6264,7 +6308,7 @@
           </p:cNvPicPr>
           <p:nvPr/>
         </p:nvPicPr>
-        <p:blipFill rotWithShape="1">
+        <p:blipFill>
           <a:blip r:embed="rId3">
             <a:extLst>
               <a:ext uri="{28A0092B-C50C-407E-A947-70E740481C1C}">
@@ -6272,27 +6316,23 @@
               </a:ext>
             </a:extLst>
           </a:blip>
-          <a:srcRect l="31757"/>
-          <a:stretch/>
+          <a:stretch>
+            <a:fillRect/>
+          </a:stretch>
         </p:blipFill>
         <p:spPr>
           <a:xfrm>
-            <a:off x="210394" y="844477"/>
-            <a:ext cx="4312468" cy="5184090"/>
+            <a:off x="290081" y="902562"/>
+            <a:ext cx="8348449" cy="2057906"/>
           </a:xfrm>
           <a:prstGeom prst="rect">
             <a:avLst/>
           </a:prstGeom>
-          <a:ln w="3175">
-            <a:solidFill>
-              <a:schemeClr val="tx1"/>
-            </a:solidFill>
-          </a:ln>
         </p:spPr>
       </p:pic>
       <p:pic>
         <p:nvPicPr>
-          <p:cNvPr id="4" name="Picture 3"/>
+          <p:cNvPr id="5" name="Picture 4"/>
           <p:cNvPicPr>
             <a:picLocks noChangeAspect="1"/>
           </p:cNvPicPr>
@@ -6312,36 +6352,24 @@
         </p:blipFill>
         <p:spPr>
           <a:xfrm>
-            <a:off x="4688140" y="844477"/>
-            <a:ext cx="5761219" cy="3871295"/>
+            <a:off x="290081" y="3151299"/>
+            <a:ext cx="8351807" cy="2112464"/>
           </a:xfrm>
           <a:prstGeom prst="rect">
             <a:avLst/>
           </a:prstGeom>
-          <a:ln>
-            <a:solidFill>
-              <a:schemeClr val="accent1"/>
-            </a:solidFill>
-          </a:ln>
         </p:spPr>
       </p:pic>
     </p:spTree>
     <p:extLst>
       <p:ext uri="{BB962C8B-B14F-4D97-AF65-F5344CB8AC3E}">
-        <p14:creationId xmlns:p14="http://schemas.microsoft.com/office/powerpoint/2010/main" val="2004873459"/>
+        <p14:creationId xmlns:p14="http://schemas.microsoft.com/office/powerpoint/2010/main" val="3291538349"/>
       </p:ext>
     </p:extLst>
   </p:cSld>
   <p:clrMapOvr>
     <a:masterClrMapping/>
   </p:clrMapOvr>
-  <p:timing>
-    <p:tnLst>
-      <p:par>
-        <p:cTn id="1" dur="indefinite" restart="never" nodeType="tmRoot"/>
-      </p:par>
-    </p:tnLst>
-  </p:timing>
 </p:sld>
 </file>
 
@@ -6384,8 +6412,8 @@
         </p:nvSpPr>
         <p:spPr>
           <a:xfrm>
-            <a:off x="210394" y="128122"/>
-            <a:ext cx="4839036" cy="461665"/>
+            <a:off x="210393" y="128122"/>
+            <a:ext cx="6847111" cy="461665"/>
           </a:xfrm>
           <a:prstGeom prst="rect">
             <a:avLst/>
@@ -6406,34 +6434,20 @@
                 <a:latin typeface="Roboto" panose="02000000000000000000" pitchFamily="2" charset="0"/>
                 <a:ea typeface="Roboto" panose="02000000000000000000" pitchFamily="2" charset="0"/>
               </a:rPr>
-              <a:t> </a:t>
-            </a:r>
-            <a:r>
-              <a:rPr lang="en-US" sz="2400" b="1" dirty="0" smtClean="0">
-                <a:solidFill>
-                  <a:srgbClr val="00B050"/>
-                </a:solidFill>
-                <a:latin typeface="Roboto" panose="02000000000000000000" pitchFamily="2" charset="0"/>
-                <a:ea typeface="Roboto" panose="02000000000000000000" pitchFamily="2" charset="0"/>
-              </a:rPr>
-              <a:t>Next </a:t>
-            </a:r>
-            <a:r>
-              <a:rPr lang="en-US" sz="2400" b="1" dirty="0">
-                <a:solidFill>
-                  <a:srgbClr val="00B050"/>
-                </a:solidFill>
-                <a:latin typeface="Roboto" panose="02000000000000000000" pitchFamily="2" charset="0"/>
-                <a:ea typeface="Roboto" panose="02000000000000000000" pitchFamily="2" charset="0"/>
-              </a:rPr>
-              <a:t>router</a:t>
+              <a:t> Next Router/Navigation Progress</a:t>
             </a:r>
           </a:p>
         </p:txBody>
       </p:sp>
       <p:pic>
         <p:nvPicPr>
-          <p:cNvPr id="4" name="Picture 3"/>
+          <p:cNvPr id="6" name="Picture 5">
+            <a:extLst>
+              <a:ext uri="{FF2B5EF4-FFF2-40B4-BE49-F238E27FC236}">
+                <a16:creationId xmlns:a16="http://schemas.microsoft.com/office/drawing/2014/main" id="{8C31B243-1359-7657-29B3-35048F7A8BC2}"/>
+              </a:ext>
+            </a:extLst>
+          </p:cNvPr>
           <p:cNvPicPr>
             <a:picLocks noChangeAspect="1"/>
           </p:cNvPicPr>
@@ -6453,8 +6467,8 @@
         </p:blipFill>
         <p:spPr>
           <a:xfrm>
-            <a:off x="0" y="722527"/>
-            <a:ext cx="8885690" cy="6027942"/>
+            <a:off x="648393" y="999181"/>
+            <a:ext cx="10449098" cy="5493280"/>
           </a:xfrm>
           <a:prstGeom prst="rect">
             <a:avLst/>
@@ -6464,20 +6478,13 @@
     </p:spTree>
     <p:extLst>
       <p:ext uri="{BB962C8B-B14F-4D97-AF65-F5344CB8AC3E}">
-        <p14:creationId xmlns:p14="http://schemas.microsoft.com/office/powerpoint/2010/main" val="875645412"/>
+        <p14:creationId xmlns:p14="http://schemas.microsoft.com/office/powerpoint/2010/main" val="868340458"/>
       </p:ext>
     </p:extLst>
   </p:cSld>
   <p:clrMapOvr>
     <a:masterClrMapping/>
   </p:clrMapOvr>
-  <p:timing>
-    <p:tnLst>
-      <p:par>
-        <p:cTn id="1" dur="indefinite" restart="never" nodeType="tmRoot"/>
-      </p:par>
-    </p:tnLst>
-  </p:timing>
 </p:sld>
 </file>
 
@@ -6542,65 +6549,92 @@
                 <a:latin typeface="Roboto" panose="02000000000000000000" pitchFamily="2" charset="0"/>
                 <a:ea typeface="Roboto" panose="02000000000000000000" pitchFamily="2" charset="0"/>
               </a:rPr>
-              <a:t> </a:t>
-            </a:r>
-            <a:r>
-              <a:rPr lang="en-US" sz="2400" b="1" dirty="0" smtClean="0">
-                <a:solidFill>
-                  <a:srgbClr val="00B050"/>
-                </a:solidFill>
+              <a:t>API Router</a:t>
+            </a:r>
+          </a:p>
+        </p:txBody>
+      </p:sp>
+      <p:sp>
+        <p:nvSpPr>
+          <p:cNvPr id="3" name="TextBox 2">
+            <a:extLst>
+              <a:ext uri="{FF2B5EF4-FFF2-40B4-BE49-F238E27FC236}">
+                <a16:creationId xmlns:a16="http://schemas.microsoft.com/office/drawing/2014/main" id="{36280B7E-5466-BB84-315D-8ABD6B713835}"/>
+              </a:ext>
+            </a:extLst>
+          </p:cNvPr>
+          <p:cNvSpPr txBox="1"/>
+          <p:nvPr/>
+        </p:nvSpPr>
+        <p:spPr>
+          <a:xfrm>
+            <a:off x="318717" y="947531"/>
+            <a:ext cx="6205545" cy="1292662"/>
+          </a:xfrm>
+          <a:prstGeom prst="rect">
+            <a:avLst/>
+          </a:prstGeom>
+          <a:noFill/>
+        </p:spPr>
+        <p:txBody>
+          <a:bodyPr wrap="none" rtlCol="0">
+            <a:spAutoFit/>
+          </a:bodyPr>
+          <a:lstStyle/>
+          <a:p>
+            <a:pPr marL="342900" indent="-342900">
+              <a:lnSpc>
+                <a:spcPct val="150000"/>
+              </a:lnSpc>
+              <a:buFont typeface="Arial" panose="020B0604020202020204" pitchFamily="34" charset="0"/>
+              <a:buChar char="•"/>
+            </a:pPr>
+            <a:r>
+              <a:rPr lang="en-US" dirty="0">
                 <a:latin typeface="Roboto" panose="02000000000000000000" pitchFamily="2" charset="0"/>
                 <a:ea typeface="Roboto" panose="02000000000000000000" pitchFamily="2" charset="0"/>
               </a:rPr>
-              <a:t>Next </a:t>
-            </a:r>
-            <a:r>
-              <a:rPr lang="en-US" sz="2400" b="1" dirty="0">
-                <a:solidFill>
-                  <a:srgbClr val="00B050"/>
-                </a:solidFill>
+              <a:t>How API Routes Works.</a:t>
+            </a:r>
+          </a:p>
+          <a:p>
+            <a:pPr marL="342900" indent="-342900">
+              <a:lnSpc>
+                <a:spcPct val="150000"/>
+              </a:lnSpc>
+              <a:buFont typeface="Arial" panose="020B0604020202020204" pitchFamily="34" charset="0"/>
+              <a:buChar char="•"/>
+            </a:pPr>
+            <a:r>
+              <a:rPr lang="en-US" dirty="0">
                 <a:latin typeface="Roboto" panose="02000000000000000000" pitchFamily="2" charset="0"/>
                 <a:ea typeface="Roboto" panose="02000000000000000000" pitchFamily="2" charset="0"/>
               </a:rPr>
-              <a:t>router</a:t>
-            </a:r>
-          </a:p>
-        </p:txBody>
-      </p:sp>
-      <p:pic>
-        <p:nvPicPr>
-          <p:cNvPr id="3" name="Picture 2"/>
-          <p:cNvPicPr>
-            <a:picLocks noChangeAspect="1"/>
-          </p:cNvPicPr>
-          <p:nvPr/>
-        </p:nvPicPr>
-        <p:blipFill>
-          <a:blip r:embed="rId3">
-            <a:extLst>
-              <a:ext uri="{28A0092B-C50C-407E-A947-70E740481C1C}">
-                <a14:useLocalDpi xmlns:a14="http://schemas.microsoft.com/office/drawing/2010/main" val="0"/>
-              </a:ext>
-            </a:extLst>
-          </a:blip>
-          <a:stretch>
-            <a:fillRect/>
-          </a:stretch>
-        </p:blipFill>
-        <p:spPr>
-          <a:xfrm>
-            <a:off x="0" y="717694"/>
-            <a:ext cx="9079264" cy="6157719"/>
-          </a:xfrm>
-          <a:prstGeom prst="rect">
-            <a:avLst/>
-          </a:prstGeom>
-        </p:spPr>
-      </p:pic>
+              <a:t>How to manage get, post, methods </a:t>
+            </a:r>
+          </a:p>
+          <a:p>
+            <a:pPr marL="342900" indent="-342900">
+              <a:lnSpc>
+                <a:spcPct val="150000"/>
+              </a:lnSpc>
+              <a:buFont typeface="Arial" panose="020B0604020202020204" pitchFamily="34" charset="0"/>
+              <a:buChar char="•"/>
+            </a:pPr>
+            <a:r>
+              <a:rPr lang="en-US" dirty="0">
+                <a:latin typeface="Roboto" panose="02000000000000000000" pitchFamily="2" charset="0"/>
+                <a:ea typeface="Roboto" panose="02000000000000000000" pitchFamily="2" charset="0"/>
+              </a:rPr>
+              <a:t>Managing request - response URL Query , Body, Header </a:t>
+            </a:r>
+          </a:p>
+        </p:txBody>
+      </p:sp>
     </p:spTree>
     <p:extLst>
       <p:ext uri="{BB962C8B-B14F-4D97-AF65-F5344CB8AC3E}">
-        <p14:creationId xmlns:p14="http://schemas.microsoft.com/office/powerpoint/2010/main" val="2929105039"/>
+        <p14:creationId xmlns:p14="http://schemas.microsoft.com/office/powerpoint/2010/main" val="2372701291"/>
       </p:ext>
     </p:extLst>
   </p:cSld>
@@ -6610,309 +6644,213 @@
   <p:timing>
     <p:tnLst>
       <p:par>
-        <p:cTn id="1" dur="indefinite" restart="never" nodeType="tmRoot"/>
-      </p:par>
-    </p:tnLst>
-  </p:timing>
-</p:sld>
-</file>
-
-<file path=ppt/slides/slide28.xml><?xml version="1.0" encoding="utf-8"?>
-<p:sld xmlns:a="http://schemas.openxmlformats.org/drawingml/2006/main" xmlns:r="http://schemas.openxmlformats.org/officeDocument/2006/relationships" xmlns:p="http://schemas.openxmlformats.org/presentationml/2006/main">
-  <p:cSld>
-    <p:bg>
-      <p:bgPr>
-        <a:blipFill dpi="0" rotWithShape="1">
-          <a:blip r:embed="rId2">
-            <a:lum/>
-          </a:blip>
-          <a:srcRect/>
-          <a:stretch>
-            <a:fillRect/>
-          </a:stretch>
-        </a:blipFill>
-        <a:effectLst/>
-      </p:bgPr>
-    </p:bg>
-    <p:spTree>
-      <p:nvGrpSpPr>
-        <p:cNvPr id="1" name=""/>
-        <p:cNvGrpSpPr/>
-        <p:nvPr/>
-      </p:nvGrpSpPr>
-      <p:grpSpPr>
-        <a:xfrm>
-          <a:off x="0" y="0"/>
-          <a:ext cx="0" cy="0"/>
-          <a:chOff x="0" y="0"/>
-          <a:chExt cx="0" cy="0"/>
-        </a:xfrm>
-      </p:grpSpPr>
-      <p:sp>
-        <p:nvSpPr>
-          <p:cNvPr id="2" name="TextBox 1"/>
-          <p:cNvSpPr txBox="1"/>
-          <p:nvPr/>
-        </p:nvSpPr>
-        <p:spPr>
-          <a:xfrm>
-            <a:off x="210394" y="128122"/>
-            <a:ext cx="4839036" cy="461665"/>
-          </a:xfrm>
-          <a:prstGeom prst="rect">
-            <a:avLst/>
-          </a:prstGeom>
-          <a:noFill/>
-        </p:spPr>
-        <p:txBody>
-          <a:bodyPr wrap="square" rtlCol="0">
-            <a:spAutoFit/>
-          </a:bodyPr>
-          <a:lstStyle/>
-          <a:p>
-            <a:r>
-              <a:rPr lang="en-US" sz="2400" b="1" dirty="0">
-                <a:solidFill>
-                  <a:srgbClr val="00B050"/>
-                </a:solidFill>
-                <a:latin typeface="Roboto" panose="02000000000000000000" pitchFamily="2" charset="0"/>
-                <a:ea typeface="Roboto" panose="02000000000000000000" pitchFamily="2" charset="0"/>
-              </a:rPr>
-              <a:t> </a:t>
-            </a:r>
-            <a:r>
-              <a:rPr lang="en-US" sz="2400" b="1" dirty="0" smtClean="0">
-                <a:solidFill>
-                  <a:srgbClr val="00B050"/>
-                </a:solidFill>
-                <a:latin typeface="Roboto" panose="02000000000000000000" pitchFamily="2" charset="0"/>
-                <a:ea typeface="Roboto" panose="02000000000000000000" pitchFamily="2" charset="0"/>
-              </a:rPr>
-              <a:t>Next </a:t>
-            </a:r>
-            <a:r>
-              <a:rPr lang="en-US" sz="2400" b="1" dirty="0">
-                <a:solidFill>
-                  <a:srgbClr val="00B050"/>
-                </a:solidFill>
-                <a:latin typeface="Roboto" panose="02000000000000000000" pitchFamily="2" charset="0"/>
-                <a:ea typeface="Roboto" panose="02000000000000000000" pitchFamily="2" charset="0"/>
-              </a:rPr>
-              <a:t>router</a:t>
-            </a:r>
-          </a:p>
-        </p:txBody>
-      </p:sp>
-      <p:pic>
-        <p:nvPicPr>
-          <p:cNvPr id="4" name="Picture 3"/>
-          <p:cNvPicPr>
-            <a:picLocks noChangeAspect="1"/>
-          </p:cNvPicPr>
-          <p:nvPr/>
-        </p:nvPicPr>
-        <p:blipFill>
-          <a:blip r:embed="rId3">
-            <a:extLst>
-              <a:ext uri="{28A0092B-C50C-407E-A947-70E740481C1C}">
-                <a14:useLocalDpi xmlns:a14="http://schemas.microsoft.com/office/drawing/2010/main" val="0"/>
-              </a:ext>
-            </a:extLst>
-          </a:blip>
-          <a:stretch>
-            <a:fillRect/>
-          </a:stretch>
-        </p:blipFill>
-        <p:spPr>
-          <a:xfrm>
-            <a:off x="0" y="737978"/>
-            <a:ext cx="9396885" cy="6120022"/>
-          </a:xfrm>
-          <a:prstGeom prst="rect">
-            <a:avLst/>
-          </a:prstGeom>
-        </p:spPr>
-      </p:pic>
-    </p:spTree>
-    <p:extLst>
-      <p:ext uri="{BB962C8B-B14F-4D97-AF65-F5344CB8AC3E}">
-        <p14:creationId xmlns:p14="http://schemas.microsoft.com/office/powerpoint/2010/main" val="3333655860"/>
-      </p:ext>
-    </p:extLst>
-  </p:cSld>
-  <p:clrMapOvr>
-    <a:masterClrMapping/>
-  </p:clrMapOvr>
-  <p:timing>
-    <p:tnLst>
-      <p:par>
-        <p:cTn id="1" dur="indefinite" restart="never" nodeType="tmRoot"/>
-      </p:par>
-    </p:tnLst>
-  </p:timing>
-</p:sld>
-</file>
-
-<file path=ppt/slides/slide29.xml><?xml version="1.0" encoding="utf-8"?>
-<p:sld xmlns:a="http://schemas.openxmlformats.org/drawingml/2006/main" xmlns:r="http://schemas.openxmlformats.org/officeDocument/2006/relationships" xmlns:p="http://schemas.openxmlformats.org/presentationml/2006/main">
-  <p:cSld>
-    <p:bg>
-      <p:bgPr>
-        <a:blipFill dpi="0" rotWithShape="1">
-          <a:blip r:embed="rId2">
-            <a:lum/>
-          </a:blip>
-          <a:srcRect/>
-          <a:stretch>
-            <a:fillRect/>
-          </a:stretch>
-        </a:blipFill>
-        <a:effectLst/>
-      </p:bgPr>
-    </p:bg>
-    <p:spTree>
-      <p:nvGrpSpPr>
-        <p:cNvPr id="1" name=""/>
-        <p:cNvGrpSpPr/>
-        <p:nvPr/>
-      </p:nvGrpSpPr>
-      <p:grpSpPr>
-        <a:xfrm>
-          <a:off x="0" y="0"/>
-          <a:ext cx="0" cy="0"/>
-          <a:chOff x="0" y="0"/>
-          <a:chExt cx="0" cy="0"/>
-        </a:xfrm>
-      </p:grpSpPr>
-      <p:sp>
-        <p:nvSpPr>
-          <p:cNvPr id="2" name="TextBox 1"/>
-          <p:cNvSpPr txBox="1"/>
-          <p:nvPr/>
-        </p:nvSpPr>
-        <p:spPr>
-          <a:xfrm>
-            <a:off x="210394" y="128122"/>
-            <a:ext cx="4839036" cy="461665"/>
-          </a:xfrm>
-          <a:prstGeom prst="rect">
-            <a:avLst/>
-          </a:prstGeom>
-          <a:noFill/>
-        </p:spPr>
-        <p:txBody>
-          <a:bodyPr wrap="square" rtlCol="0">
-            <a:spAutoFit/>
-          </a:bodyPr>
-          <a:lstStyle/>
-          <a:p>
-            <a:r>
-              <a:rPr lang="en-US" sz="2400" b="1" dirty="0">
-                <a:solidFill>
-                  <a:srgbClr val="00B050"/>
-                </a:solidFill>
-                <a:latin typeface="Roboto" panose="02000000000000000000" pitchFamily="2" charset="0"/>
-                <a:ea typeface="Roboto" panose="02000000000000000000" pitchFamily="2" charset="0"/>
-              </a:rPr>
-              <a:t> </a:t>
-            </a:r>
-            <a:r>
-              <a:rPr lang="en-US" sz="2400" b="1" dirty="0" smtClean="0">
-                <a:solidFill>
-                  <a:srgbClr val="00B050"/>
-                </a:solidFill>
-                <a:latin typeface="Roboto" panose="02000000000000000000" pitchFamily="2" charset="0"/>
-                <a:ea typeface="Roboto" panose="02000000000000000000" pitchFamily="2" charset="0"/>
-              </a:rPr>
-              <a:t>Next </a:t>
-            </a:r>
-            <a:r>
-              <a:rPr lang="en-US" sz="2400" b="1" dirty="0">
-                <a:solidFill>
-                  <a:srgbClr val="00B050"/>
-                </a:solidFill>
-                <a:latin typeface="Roboto" panose="02000000000000000000" pitchFamily="2" charset="0"/>
-                <a:ea typeface="Roboto" panose="02000000000000000000" pitchFamily="2" charset="0"/>
-              </a:rPr>
-              <a:t>router</a:t>
-            </a:r>
-          </a:p>
-        </p:txBody>
-      </p:sp>
-      <p:pic>
-        <p:nvPicPr>
-          <p:cNvPr id="3" name="Picture 2"/>
-          <p:cNvPicPr>
-            <a:picLocks noChangeAspect="1"/>
-          </p:cNvPicPr>
-          <p:nvPr/>
-        </p:nvPicPr>
-        <p:blipFill>
-          <a:blip r:embed="rId3">
-            <a:extLst>
-              <a:ext uri="{28A0092B-C50C-407E-A947-70E740481C1C}">
-                <a14:useLocalDpi xmlns:a14="http://schemas.microsoft.com/office/drawing/2010/main" val="0"/>
-              </a:ext>
-            </a:extLst>
-          </a:blip>
-          <a:stretch>
-            <a:fillRect/>
-          </a:stretch>
-        </p:blipFill>
-        <p:spPr>
-          <a:xfrm>
-            <a:off x="290081" y="902562"/>
-            <a:ext cx="8348449" cy="2057906"/>
-          </a:xfrm>
-          <a:prstGeom prst="rect">
-            <a:avLst/>
-          </a:prstGeom>
-        </p:spPr>
-      </p:pic>
-      <p:pic>
-        <p:nvPicPr>
-          <p:cNvPr id="5" name="Picture 4"/>
-          <p:cNvPicPr>
-            <a:picLocks noChangeAspect="1"/>
-          </p:cNvPicPr>
-          <p:nvPr/>
-        </p:nvPicPr>
-        <p:blipFill>
-          <a:blip r:embed="rId4">
-            <a:extLst>
-              <a:ext uri="{28A0092B-C50C-407E-A947-70E740481C1C}">
-                <a14:useLocalDpi xmlns:a14="http://schemas.microsoft.com/office/drawing/2010/main" val="0"/>
-              </a:ext>
-            </a:extLst>
-          </a:blip>
-          <a:stretch>
-            <a:fillRect/>
-          </a:stretch>
-        </p:blipFill>
-        <p:spPr>
-          <a:xfrm>
-            <a:off x="290081" y="3151299"/>
-            <a:ext cx="8351807" cy="2112464"/>
-          </a:xfrm>
-          <a:prstGeom prst="rect">
-            <a:avLst/>
-          </a:prstGeom>
-        </p:spPr>
-      </p:pic>
-    </p:spTree>
-    <p:extLst>
-      <p:ext uri="{BB962C8B-B14F-4D97-AF65-F5344CB8AC3E}">
-        <p14:creationId xmlns:p14="http://schemas.microsoft.com/office/powerpoint/2010/main" val="3291538349"/>
-      </p:ext>
-    </p:extLst>
-  </p:cSld>
-  <p:clrMapOvr>
-    <a:masterClrMapping/>
-  </p:clrMapOvr>
-  <p:timing>
-    <p:tnLst>
-      <p:par>
-        <p:cTn id="1" dur="indefinite" restart="never" nodeType="tmRoot"/>
+        <p:cTn id="1" dur="indefinite" restart="never" nodeType="tmRoot">
+          <p:childTnLst>
+            <p:seq concurrent="1" nextAc="seek">
+              <p:cTn id="2" dur="indefinite" nodeType="mainSeq">
+                <p:childTnLst>
+                  <p:par>
+                    <p:cTn id="3" fill="hold">
+                      <p:stCondLst>
+                        <p:cond delay="indefinite"/>
+                      </p:stCondLst>
+                      <p:childTnLst>
+                        <p:par>
+                          <p:cTn id="4" fill="hold">
+                            <p:stCondLst>
+                              <p:cond delay="0"/>
+                            </p:stCondLst>
+                            <p:childTnLst>
+                              <p:par>
+                                <p:cTn id="5" presetID="22" presetClass="entr" presetSubtype="4" fill="hold" nodeType="clickEffect">
+                                  <p:stCondLst>
+                                    <p:cond delay="0"/>
+                                  </p:stCondLst>
+                                  <p:childTnLst>
+                                    <p:set>
+                                      <p:cBhvr>
+                                        <p:cTn id="6" dur="1" fill="hold">
+                                          <p:stCondLst>
+                                            <p:cond delay="0"/>
+                                          </p:stCondLst>
+                                        </p:cTn>
+                                        <p:tgtEl>
+                                          <p:spTgt spid="3">
+                                            <p:txEl>
+                                              <p:pRg st="0" end="0"/>
+                                            </p:txEl>
+                                          </p:spTgt>
+                                        </p:tgtEl>
+                                        <p:attrNameLst>
+                                          <p:attrName>style.visibility</p:attrName>
+                                        </p:attrNameLst>
+                                      </p:cBhvr>
+                                      <p:to>
+                                        <p:strVal val="visible"/>
+                                      </p:to>
+                                    </p:set>
+                                    <p:animEffect transition="in" filter="wipe(down)">
+                                      <p:cBhvr>
+                                        <p:cTn id="7" dur="500"/>
+                                        <p:tgtEl>
+                                          <p:spTgt spid="3">
+                                            <p:txEl>
+                                              <p:pRg st="0" end="0"/>
+                                            </p:txEl>
+                                          </p:spTgt>
+                                        </p:tgtEl>
+                                      </p:cBhvr>
+                                    </p:animEffect>
+                                  </p:childTnLst>
+                                </p:cTn>
+                              </p:par>
+                            </p:childTnLst>
+                          </p:cTn>
+                        </p:par>
+                      </p:childTnLst>
+                    </p:cTn>
+                  </p:par>
+                  <p:par>
+                    <p:cTn id="8" fill="hold">
+                      <p:stCondLst>
+                        <p:cond delay="indefinite"/>
+                      </p:stCondLst>
+                      <p:childTnLst>
+                        <p:par>
+                          <p:cTn id="9" fill="hold">
+                            <p:stCondLst>
+                              <p:cond delay="0"/>
+                            </p:stCondLst>
+                            <p:childTnLst>
+                              <p:par>
+                                <p:cTn id="10" presetID="22" presetClass="entr" presetSubtype="4" fill="hold" nodeType="clickEffect">
+                                  <p:stCondLst>
+                                    <p:cond delay="0"/>
+                                  </p:stCondLst>
+                                  <p:childTnLst>
+                                    <p:set>
+                                      <p:cBhvr>
+                                        <p:cTn id="11" dur="1" fill="hold">
+                                          <p:stCondLst>
+                                            <p:cond delay="0"/>
+                                          </p:stCondLst>
+                                        </p:cTn>
+                                        <p:tgtEl>
+                                          <p:spTgt spid="3">
+                                            <p:txEl>
+                                              <p:pRg st="1" end="1"/>
+                                            </p:txEl>
+                                          </p:spTgt>
+                                        </p:tgtEl>
+                                        <p:attrNameLst>
+                                          <p:attrName>style.visibility</p:attrName>
+                                        </p:attrNameLst>
+                                      </p:cBhvr>
+                                      <p:to>
+                                        <p:strVal val="visible"/>
+                                      </p:to>
+                                    </p:set>
+                                    <p:animEffect transition="in" filter="wipe(down)">
+                                      <p:cBhvr>
+                                        <p:cTn id="12" dur="500"/>
+                                        <p:tgtEl>
+                                          <p:spTgt spid="3">
+                                            <p:txEl>
+                                              <p:pRg st="1" end="1"/>
+                                            </p:txEl>
+                                          </p:spTgt>
+                                        </p:tgtEl>
+                                      </p:cBhvr>
+                                    </p:animEffect>
+                                  </p:childTnLst>
+                                </p:cTn>
+                              </p:par>
+                            </p:childTnLst>
+                          </p:cTn>
+                        </p:par>
+                      </p:childTnLst>
+                    </p:cTn>
+                  </p:par>
+                  <p:par>
+                    <p:cTn id="13" fill="hold">
+                      <p:stCondLst>
+                        <p:cond delay="indefinite"/>
+                      </p:stCondLst>
+                      <p:childTnLst>
+                        <p:par>
+                          <p:cTn id="14" fill="hold">
+                            <p:stCondLst>
+                              <p:cond delay="0"/>
+                            </p:stCondLst>
+                            <p:childTnLst>
+                              <p:par>
+                                <p:cTn id="15" presetID="22" presetClass="entr" presetSubtype="4" fill="hold" nodeType="clickEffect">
+                                  <p:stCondLst>
+                                    <p:cond delay="0"/>
+                                  </p:stCondLst>
+                                  <p:childTnLst>
+                                    <p:set>
+                                      <p:cBhvr>
+                                        <p:cTn id="16" dur="1" fill="hold">
+                                          <p:stCondLst>
+                                            <p:cond delay="0"/>
+                                          </p:stCondLst>
+                                        </p:cTn>
+                                        <p:tgtEl>
+                                          <p:spTgt spid="3">
+                                            <p:txEl>
+                                              <p:pRg st="2" end="2"/>
+                                            </p:txEl>
+                                          </p:spTgt>
+                                        </p:tgtEl>
+                                        <p:attrNameLst>
+                                          <p:attrName>style.visibility</p:attrName>
+                                        </p:attrNameLst>
+                                      </p:cBhvr>
+                                      <p:to>
+                                        <p:strVal val="visible"/>
+                                      </p:to>
+                                    </p:set>
+                                    <p:animEffect transition="in" filter="wipe(down)">
+                                      <p:cBhvr>
+                                        <p:cTn id="17" dur="500"/>
+                                        <p:tgtEl>
+                                          <p:spTgt spid="3">
+                                            <p:txEl>
+                                              <p:pRg st="2" end="2"/>
+                                            </p:txEl>
+                                          </p:spTgt>
+                                        </p:tgtEl>
+                                      </p:cBhvr>
+                                    </p:animEffect>
+                                  </p:childTnLst>
+                                </p:cTn>
+                              </p:par>
+                            </p:childTnLst>
+                          </p:cTn>
+                        </p:par>
+                      </p:childTnLst>
+                    </p:cTn>
+                  </p:par>
+                </p:childTnLst>
+              </p:cTn>
+              <p:prevCondLst>
+                <p:cond evt="onPrev" delay="0">
+                  <p:tgtEl>
+                    <p:sldTgt/>
+                  </p:tgtEl>
+                </p:cond>
+              </p:prevCondLst>
+              <p:nextCondLst>
+                <p:cond evt="onNext" delay="0">
+                  <p:tgtEl>
+                    <p:sldTgt/>
+                  </p:tgtEl>
+                </p:cond>
+              </p:nextCondLst>
+            </p:seq>
+          </p:childTnLst>
+        </p:cTn>
       </p:par>
     </p:tnLst>
   </p:timing>
@@ -6973,7 +6911,7 @@
           <a:lstStyle/>
           <a:p>
             <a:r>
-              <a:rPr lang="en-US" sz="2400" b="1" dirty="0" smtClean="0">
+              <a:rPr lang="en-US" sz="2400" b="1" dirty="0">
                 <a:solidFill>
                   <a:srgbClr val="00B050"/>
                 </a:solidFill>
@@ -6982,13 +6920,6 @@
               </a:rPr>
               <a:t>Compiled Code &amp; Minified Code</a:t>
             </a:r>
-            <a:endParaRPr lang="en-US" sz="2400" b="1" dirty="0">
-              <a:solidFill>
-                <a:srgbClr val="00B050"/>
-              </a:solidFill>
-              <a:latin typeface="Roboto" panose="02000000000000000000" pitchFamily="2" charset="0"/>
-              <a:ea typeface="Roboto" panose="02000000000000000000" pitchFamily="2" charset="0"/>
-            </a:endParaRPr>
           </a:p>
         </p:txBody>
       </p:sp>
@@ -7032,211 +6963,6 @@
   <p:clrMapOvr>
     <a:masterClrMapping/>
   </p:clrMapOvr>
-  <p:timing>
-    <p:tnLst>
-      <p:par>
-        <p:cTn id="1" dur="indefinite" restart="never" nodeType="tmRoot"/>
-      </p:par>
-    </p:tnLst>
-  </p:timing>
-</p:sld>
-</file>
-
-<file path=ppt/slides/slide30.xml><?xml version="1.0" encoding="utf-8"?>
-<p:sld xmlns:a="http://schemas.openxmlformats.org/drawingml/2006/main" xmlns:r="http://schemas.openxmlformats.org/officeDocument/2006/relationships" xmlns:p="http://schemas.openxmlformats.org/presentationml/2006/main">
-  <p:cSld>
-    <p:bg>
-      <p:bgPr>
-        <a:blipFill dpi="0" rotWithShape="1">
-          <a:blip r:embed="rId2">
-            <a:lum/>
-          </a:blip>
-          <a:srcRect/>
-          <a:stretch>
-            <a:fillRect/>
-          </a:stretch>
-        </a:blipFill>
-        <a:effectLst/>
-      </p:bgPr>
-    </p:bg>
-    <p:spTree>
-      <p:nvGrpSpPr>
-        <p:cNvPr id="1" name=""/>
-        <p:cNvGrpSpPr/>
-        <p:nvPr/>
-      </p:nvGrpSpPr>
-      <p:grpSpPr>
-        <a:xfrm>
-          <a:off x="0" y="0"/>
-          <a:ext cx="0" cy="0"/>
-          <a:chOff x="0" y="0"/>
-          <a:chExt cx="0" cy="0"/>
-        </a:xfrm>
-      </p:grpSpPr>
-      <p:sp>
-        <p:nvSpPr>
-          <p:cNvPr id="2" name="TextBox 1"/>
-          <p:cNvSpPr txBox="1"/>
-          <p:nvPr/>
-        </p:nvSpPr>
-        <p:spPr>
-          <a:xfrm>
-            <a:off x="210394" y="128122"/>
-            <a:ext cx="4839036" cy="461665"/>
-          </a:xfrm>
-          <a:prstGeom prst="rect">
-            <a:avLst/>
-          </a:prstGeom>
-          <a:noFill/>
-        </p:spPr>
-        <p:txBody>
-          <a:bodyPr wrap="square" rtlCol="0">
-            <a:spAutoFit/>
-          </a:bodyPr>
-          <a:lstStyle/>
-          <a:p>
-            <a:r>
-              <a:rPr lang="en-US" sz="2400" b="1" dirty="0" smtClean="0">
-                <a:solidFill>
-                  <a:srgbClr val="00B050"/>
-                </a:solidFill>
-                <a:latin typeface="Roboto" panose="02000000000000000000" pitchFamily="2" charset="0"/>
-                <a:ea typeface="Roboto" panose="02000000000000000000" pitchFamily="2" charset="0"/>
-              </a:rPr>
-              <a:t>API Router</a:t>
-            </a:r>
-            <a:endParaRPr lang="en-US" sz="2400" b="1" dirty="0">
-              <a:solidFill>
-                <a:srgbClr val="00B050"/>
-              </a:solidFill>
-              <a:latin typeface="Roboto" panose="02000000000000000000" pitchFamily="2" charset="0"/>
-              <a:ea typeface="Roboto" panose="02000000000000000000" pitchFamily="2" charset="0"/>
-            </a:endParaRPr>
-          </a:p>
-        </p:txBody>
-      </p:sp>
-      <p:pic>
-        <p:nvPicPr>
-          <p:cNvPr id="4" name="Picture 3"/>
-          <p:cNvPicPr>
-            <a:picLocks noChangeAspect="1"/>
-          </p:cNvPicPr>
-          <p:nvPr/>
-        </p:nvPicPr>
-        <p:blipFill>
-          <a:blip r:embed="rId3">
-            <a:extLst>
-              <a:ext uri="{28A0092B-C50C-407E-A947-70E740481C1C}">
-                <a14:useLocalDpi xmlns:a14="http://schemas.microsoft.com/office/drawing/2010/main" val="0"/>
-              </a:ext>
-            </a:extLst>
-          </a:blip>
-          <a:stretch>
-            <a:fillRect/>
-          </a:stretch>
-        </p:blipFill>
-        <p:spPr>
-          <a:xfrm>
-            <a:off x="263655" y="880692"/>
-            <a:ext cx="5350610" cy="2053339"/>
-          </a:xfrm>
-          <a:prstGeom prst="rect">
-            <a:avLst/>
-          </a:prstGeom>
-          <a:ln>
-            <a:solidFill>
-              <a:schemeClr val="accent1"/>
-            </a:solidFill>
-          </a:ln>
-        </p:spPr>
-      </p:pic>
-      <p:pic>
-        <p:nvPicPr>
-          <p:cNvPr id="6" name="Picture 5"/>
-          <p:cNvPicPr>
-            <a:picLocks noChangeAspect="1"/>
-          </p:cNvPicPr>
-          <p:nvPr/>
-        </p:nvPicPr>
-        <p:blipFill>
-          <a:blip r:embed="rId4">
-            <a:extLst>
-              <a:ext uri="{28A0092B-C50C-407E-A947-70E740481C1C}">
-                <a14:useLocalDpi xmlns:a14="http://schemas.microsoft.com/office/drawing/2010/main" val="0"/>
-              </a:ext>
-            </a:extLst>
-          </a:blip>
-          <a:stretch>
-            <a:fillRect/>
-          </a:stretch>
-        </p:blipFill>
-        <p:spPr>
-          <a:xfrm>
-            <a:off x="5866198" y="880691"/>
-            <a:ext cx="4876014" cy="2066501"/>
-          </a:xfrm>
-          <a:prstGeom prst="rect">
-            <a:avLst/>
-          </a:prstGeom>
-          <a:ln>
-            <a:solidFill>
-              <a:schemeClr val="accent1"/>
-            </a:solidFill>
-          </a:ln>
-        </p:spPr>
-      </p:pic>
-      <p:pic>
-        <p:nvPicPr>
-          <p:cNvPr id="7" name="Picture 6"/>
-          <p:cNvPicPr>
-            <a:picLocks noChangeAspect="1"/>
-          </p:cNvPicPr>
-          <p:nvPr/>
-        </p:nvPicPr>
-        <p:blipFill>
-          <a:blip r:embed="rId5">
-            <a:extLst>
-              <a:ext uri="{28A0092B-C50C-407E-A947-70E740481C1C}">
-                <a14:useLocalDpi xmlns:a14="http://schemas.microsoft.com/office/drawing/2010/main" val="0"/>
-              </a:ext>
-            </a:extLst>
-          </a:blip>
-          <a:stretch>
-            <a:fillRect/>
-          </a:stretch>
-        </p:blipFill>
-        <p:spPr>
-          <a:xfrm>
-            <a:off x="263655" y="3132408"/>
-            <a:ext cx="5284527" cy="2091599"/>
-          </a:xfrm>
-          <a:prstGeom prst="rect">
-            <a:avLst/>
-          </a:prstGeom>
-          <a:ln>
-            <a:solidFill>
-              <a:schemeClr val="accent1"/>
-            </a:solidFill>
-          </a:ln>
-        </p:spPr>
-      </p:pic>
-    </p:spTree>
-    <p:extLst>
-      <p:ext uri="{BB962C8B-B14F-4D97-AF65-F5344CB8AC3E}">
-        <p14:creationId xmlns:p14="http://schemas.microsoft.com/office/powerpoint/2010/main" val="2372701291"/>
-      </p:ext>
-    </p:extLst>
-  </p:cSld>
-  <p:clrMapOvr>
-    <a:masterClrMapping/>
-  </p:clrMapOvr>
-  <p:timing>
-    <p:tnLst>
-      <p:par>
-        <p:cTn id="1" dur="indefinite" restart="never" nodeType="tmRoot"/>
-      </p:par>
-    </p:tnLst>
-  </p:timing>
 </p:sld>
 </file>
 
@@ -7294,7 +7020,7 @@
           <a:lstStyle/>
           <a:p>
             <a:r>
-              <a:rPr lang="en-US" sz="2400" b="1" dirty="0" smtClean="0">
+              <a:rPr lang="en-US" sz="2400" b="1" dirty="0">
                 <a:solidFill>
                   <a:srgbClr val="00B050"/>
                 </a:solidFill>
@@ -7303,13 +7029,6 @@
               </a:rPr>
               <a:t>Bundler Concepts</a:t>
             </a:r>
-            <a:endParaRPr lang="en-US" sz="2400" b="1" dirty="0">
-              <a:solidFill>
-                <a:srgbClr val="00B050"/>
-              </a:solidFill>
-              <a:latin typeface="Roboto" panose="02000000000000000000" pitchFamily="2" charset="0"/>
-              <a:ea typeface="Roboto" panose="02000000000000000000" pitchFamily="2" charset="0"/>
-            </a:endParaRPr>
           </a:p>
         </p:txBody>
       </p:sp>
@@ -7353,13 +7072,6 @@
   <p:clrMapOvr>
     <a:masterClrMapping/>
   </p:clrMapOvr>
-  <p:timing>
-    <p:tnLst>
-      <p:par>
-        <p:cTn id="1" dur="indefinite" restart="never" nodeType="tmRoot"/>
-      </p:par>
-    </p:tnLst>
-  </p:timing>
 </p:sld>
 </file>
 
@@ -7417,42 +7129,15 @@
           <a:lstStyle/>
           <a:p>
             <a:r>
-              <a:rPr lang="en-US" sz="2400" b="1" dirty="0" smtClean="0">
+              <a:rPr lang="en-US" sz="2400" b="1" dirty="0">
                 <a:solidFill>
                   <a:srgbClr val="00B050"/>
                 </a:solidFill>
                 <a:latin typeface="Roboto" panose="02000000000000000000" pitchFamily="2" charset="0"/>
                 <a:ea typeface="Roboto" panose="02000000000000000000" pitchFamily="2" charset="0"/>
               </a:rPr>
-              <a:t>Bundle </a:t>
-            </a:r>
-            <a:r>
-              <a:rPr lang="en-US" sz="2400" b="1" dirty="0" err="1" smtClean="0">
-                <a:solidFill>
-                  <a:srgbClr val="00B050"/>
-                </a:solidFill>
-                <a:latin typeface="Roboto" panose="02000000000000000000" pitchFamily="2" charset="0"/>
-                <a:ea typeface="Roboto" panose="02000000000000000000" pitchFamily="2" charset="0"/>
-              </a:rPr>
-              <a:t>Spliting</a:t>
-            </a:r>
-            <a:r>
-              <a:rPr lang="en-US" sz="2400" b="1" dirty="0" smtClean="0">
-                <a:solidFill>
-                  <a:srgbClr val="00B050"/>
-                </a:solidFill>
-                <a:latin typeface="Roboto" panose="02000000000000000000" pitchFamily="2" charset="0"/>
-                <a:ea typeface="Roboto" panose="02000000000000000000" pitchFamily="2" charset="0"/>
-              </a:rPr>
-              <a:t> </a:t>
-            </a:r>
-            <a:endParaRPr lang="en-US" sz="2400" b="1" dirty="0">
-              <a:solidFill>
-                <a:srgbClr val="00B050"/>
-              </a:solidFill>
-              <a:latin typeface="Roboto" panose="02000000000000000000" pitchFamily="2" charset="0"/>
-              <a:ea typeface="Roboto" panose="02000000000000000000" pitchFamily="2" charset="0"/>
-            </a:endParaRPr>
+              <a:t>Bundle Splitting </a:t>
+            </a:r>
           </a:p>
         </p:txBody>
       </p:sp>
@@ -7496,13 +7181,6 @@
   <p:clrMapOvr>
     <a:masterClrMapping/>
   </p:clrMapOvr>
-  <p:timing>
-    <p:tnLst>
-      <p:par>
-        <p:cTn id="1" dur="indefinite" restart="never" nodeType="tmRoot"/>
-      </p:par>
-    </p:tnLst>
-  </p:timing>
 </p:sld>
 </file>
 
@@ -7560,7 +7238,7 @@
           <a:lstStyle/>
           <a:p>
             <a:r>
-              <a:rPr lang="en-US" sz="2400" b="1" dirty="0" smtClean="0">
+              <a:rPr lang="en-US" sz="2400" b="1" dirty="0">
                 <a:solidFill>
                   <a:srgbClr val="00B050"/>
                 </a:solidFill>
@@ -7569,13 +7247,6 @@
               </a:rPr>
               <a:t>Client-Server Concepts </a:t>
             </a:r>
-            <a:endParaRPr lang="en-US" sz="2400" b="1" dirty="0">
-              <a:solidFill>
-                <a:srgbClr val="00B050"/>
-              </a:solidFill>
-              <a:latin typeface="Roboto" panose="02000000000000000000" pitchFamily="2" charset="0"/>
-              <a:ea typeface="Roboto" panose="02000000000000000000" pitchFamily="2" charset="0"/>
-            </a:endParaRPr>
           </a:p>
         </p:txBody>
       </p:sp>
@@ -7619,13 +7290,6 @@
   <p:clrMapOvr>
     <a:masterClrMapping/>
   </p:clrMapOvr>
-  <p:timing>
-    <p:tnLst>
-      <p:par>
-        <p:cTn id="1" dur="indefinite" restart="never" nodeType="tmRoot"/>
-      </p:par>
-    </p:tnLst>
-  </p:timing>
 </p:sld>
 </file>
 
@@ -7683,7 +7347,7 @@
           <a:lstStyle/>
           <a:p>
             <a:r>
-              <a:rPr lang="en-US" sz="2400" b="1" dirty="0" smtClean="0">
+              <a:rPr lang="en-US" sz="2400" b="1" dirty="0">
                 <a:solidFill>
                   <a:srgbClr val="00B050"/>
                 </a:solidFill>
@@ -7692,13 +7356,6 @@
               </a:rPr>
               <a:t>Client Side Rendering</a:t>
             </a:r>
-            <a:endParaRPr lang="en-US" sz="2400" b="1" dirty="0">
-              <a:solidFill>
-                <a:srgbClr val="00B050"/>
-              </a:solidFill>
-              <a:latin typeface="Roboto" panose="02000000000000000000" pitchFamily="2" charset="0"/>
-              <a:ea typeface="Roboto" panose="02000000000000000000" pitchFamily="2" charset="0"/>
-            </a:endParaRPr>
           </a:p>
         </p:txBody>
       </p:sp>
@@ -7742,13 +7399,6 @@
   <p:clrMapOvr>
     <a:masterClrMapping/>
   </p:clrMapOvr>
-  <p:timing>
-    <p:tnLst>
-      <p:par>
-        <p:cTn id="1" dur="indefinite" restart="never" nodeType="tmRoot"/>
-      </p:par>
-    </p:tnLst>
-  </p:timing>
 </p:sld>
 </file>
 
@@ -7806,7 +7456,7 @@
           <a:lstStyle/>
           <a:p>
             <a:r>
-              <a:rPr lang="en-US" sz="2400" b="1" dirty="0" smtClean="0">
+              <a:rPr lang="en-US" sz="2400" b="1" dirty="0">
                 <a:solidFill>
                   <a:srgbClr val="00B050"/>
                 </a:solidFill>
@@ -7815,13 +7465,6 @@
               </a:rPr>
               <a:t>Server Side Rendering</a:t>
             </a:r>
-            <a:endParaRPr lang="en-US" sz="2400" b="1" dirty="0">
-              <a:solidFill>
-                <a:srgbClr val="00B050"/>
-              </a:solidFill>
-              <a:latin typeface="Roboto" panose="02000000000000000000" pitchFamily="2" charset="0"/>
-              <a:ea typeface="Roboto" panose="02000000000000000000" pitchFamily="2" charset="0"/>
-            </a:endParaRPr>
           </a:p>
         </p:txBody>
       </p:sp>
@@ -7865,13 +7508,6 @@
   <p:clrMapOvr>
     <a:masterClrMapping/>
   </p:clrMapOvr>
-  <p:timing>
-    <p:tnLst>
-      <p:par>
-        <p:cTn id="1" dur="indefinite" restart="never" nodeType="tmRoot"/>
-      </p:par>
-    </p:tnLst>
-  </p:timing>
 </p:sld>
 </file>
 
@@ -7929,7 +7565,7 @@
           <a:lstStyle/>
           <a:p>
             <a:r>
-              <a:rPr lang="en-US" sz="2400" b="1" dirty="0" smtClean="0">
+              <a:rPr lang="en-US" sz="2400" b="1" dirty="0">
                 <a:solidFill>
                   <a:srgbClr val="00B050"/>
                 </a:solidFill>
@@ -7938,13 +7574,6 @@
               </a:rPr>
               <a:t>Create &amp; Run New Project</a:t>
             </a:r>
-            <a:endParaRPr lang="en-US" sz="2400" b="1" dirty="0">
-              <a:solidFill>
-                <a:srgbClr val="00B050"/>
-              </a:solidFill>
-              <a:latin typeface="Roboto" panose="02000000000000000000" pitchFamily="2" charset="0"/>
-              <a:ea typeface="Roboto" panose="02000000000000000000" pitchFamily="2" charset="0"/>
-            </a:endParaRPr>
           </a:p>
         </p:txBody>
       </p:sp>
@@ -8048,13 +7677,6 @@
   <p:clrMapOvr>
     <a:masterClrMapping/>
   </p:clrMapOvr>
-  <p:timing>
-    <p:tnLst>
-      <p:par>
-        <p:cTn id="1" dur="indefinite" restart="never" nodeType="tmRoot"/>
-      </p:par>
-    </p:tnLst>
-  </p:timing>
 </p:sld>
 </file>
 
